--- a/AICTE PPT Template (1).pptx
+++ b/AICTE PPT Template (1).pptx
@@ -5,20 +5,22 @@
     <p:sldMasterId id="2147483712" r:id="rId4"/>
   </p:sldMasterIdLst>
   <p:notesMasterIdLst>
-    <p:notesMasterId r:id="rId16"/>
+    <p:notesMasterId r:id="rId18"/>
   </p:notesMasterIdLst>
   <p:sldIdLst>
     <p:sldId id="256" r:id="rId5"/>
     <p:sldId id="2146847054" r:id="rId6"/>
     <p:sldId id="262" r:id="rId7"/>
-    <p:sldId id="263" r:id="rId8"/>
-    <p:sldId id="265" r:id="rId9"/>
-    <p:sldId id="2146847057" r:id="rId10"/>
-    <p:sldId id="2146847060" r:id="rId11"/>
-    <p:sldId id="2146847062" r:id="rId12"/>
-    <p:sldId id="2146847061" r:id="rId13"/>
-    <p:sldId id="2146847055" r:id="rId14"/>
-    <p:sldId id="259" r:id="rId15"/>
+    <p:sldId id="2146847063" r:id="rId8"/>
+    <p:sldId id="2146847064" r:id="rId9"/>
+    <p:sldId id="263" r:id="rId10"/>
+    <p:sldId id="265" r:id="rId11"/>
+    <p:sldId id="2146847057" r:id="rId12"/>
+    <p:sldId id="2146847060" r:id="rId13"/>
+    <p:sldId id="2146847062" r:id="rId14"/>
+    <p:sldId id="2146847061" r:id="rId15"/>
+    <p:sldId id="2146847055" r:id="rId16"/>
+    <p:sldId id="259" r:id="rId17"/>
   </p:sldIdLst>
   <p:sldSz cx="12192000" cy="6858000"/>
   <p:notesSz cx="6858000" cy="9144000"/>
@@ -119,7 +121,18 @@
   </p:defaultTextStyle>
   <p:extLst>
     <p:ext uri="{EFAFB233-063F-42B5-8137-9DF3F51BA10A}">
-      <p15:sldGuideLst xmlns:p15="http://schemas.microsoft.com/office/powerpoint/2012/main" xmlns=""/>
+      <p15:sldGuideLst xmlns:p15="http://schemas.microsoft.com/office/powerpoint/2012/main">
+        <p15:guide id="1" orient="horz" pos="2160">
+          <p15:clr>
+            <a:srgbClr val="A4A3A4"/>
+          </p15:clr>
+        </p15:guide>
+        <p15:guide id="2" pos="3840">
+          <p15:clr>
+            <a:srgbClr val="A4A3A4"/>
+          </p15:clr>
+        </p15:guide>
+      </p15:sldGuideLst>
     </p:ext>
   </p:extLst>
 </p:presentation>
@@ -207,7 +220,7 @@
           <a:p>
             <a:fld id="{46256A78-79A6-408F-8148-4F87BB81602D}" type="datetimeFigureOut">
               <a:rPr lang="en-IN" smtClean="0"/>
-              <a:t>17-01-2025</a:t>
+              <a:t>02-03-2025</a:t>
             </a:fld>
             <a:endParaRPr lang="en-IN"/>
           </a:p>
@@ -693,7 +706,7 @@
           <p:cNvPr id="8" name="Date Placeholder 7">
             <a:extLst>
               <a:ext uri="{FF2B5EF4-FFF2-40B4-BE49-F238E27FC236}">
-                <a16:creationId xmlns:a16="http://schemas.microsoft.com/office/drawing/2014/main" xmlns="" id="{7FA0ACE7-29A8-47D3-A7D9-257B711D8023}"/>
+                <a16:creationId xmlns:a16="http://schemas.microsoft.com/office/drawing/2014/main" id="{7FA0ACE7-29A8-47D3-A7D9-257B711D8023}"/>
               </a:ext>
             </a:extLst>
           </p:cNvPr>
@@ -711,7 +724,7 @@
           <a:p>
             <a:fld id="{ED291B17-9318-49DB-B28B-6E5994AE9581}" type="datetime1">
               <a:rPr lang="en-US" smtClean="0"/>
-              <a:t>1/17/2025</a:t>
+              <a:t>3/2/2025</a:t>
             </a:fld>
             <a:endParaRPr lang="en-US"/>
           </a:p>
@@ -722,7 +735,7 @@
           <p:cNvPr id="9" name="Footer Placeholder 8">
             <a:extLst>
               <a:ext uri="{FF2B5EF4-FFF2-40B4-BE49-F238E27FC236}">
-                <a16:creationId xmlns:a16="http://schemas.microsoft.com/office/drawing/2014/main" xmlns="" id="{DEC604B9-52E9-4810-8359-47206518D038}"/>
+                <a16:creationId xmlns:a16="http://schemas.microsoft.com/office/drawing/2014/main" id="{DEC604B9-52E9-4810-8359-47206518D038}"/>
               </a:ext>
             </a:extLst>
           </p:cNvPr>
@@ -755,7 +768,7 @@
           <p:cNvPr id="10" name="Slide Number Placeholder 9">
             <a:extLst>
               <a:ext uri="{FF2B5EF4-FFF2-40B4-BE49-F238E27FC236}">
-                <a16:creationId xmlns:a16="http://schemas.microsoft.com/office/drawing/2014/main" xmlns="" id="{5898A89F-CA25-400F-B05A-AECBF2517E4F}"/>
+                <a16:creationId xmlns:a16="http://schemas.microsoft.com/office/drawing/2014/main" id="{5898A89F-CA25-400F-B05A-AECBF2517E4F}"/>
               </a:ext>
             </a:extLst>
           </p:cNvPr>
@@ -920,7 +933,7 @@
           <a:p>
             <a:fld id="{2CED4963-E985-44C4-B8C4-FDD613B7C2F8}" type="datetime1">
               <a:rPr lang="en-US" smtClean="0"/>
-              <a:t>1/17/2025</a:t>
+              <a:t>3/2/2025</a:t>
             </a:fld>
             <a:endParaRPr lang="en-US"/>
           </a:p>
@@ -1141,7 +1154,7 @@
           <p:cNvPr id="8" name="Rectangle 7">
             <a:extLst>
               <a:ext uri="{FF2B5EF4-FFF2-40B4-BE49-F238E27FC236}">
-                <a16:creationId xmlns:a16="http://schemas.microsoft.com/office/drawing/2014/main" xmlns="" id="{F6423B97-A5D4-47B9-8861-73B3707A04CF}"/>
+                <a16:creationId xmlns:a16="http://schemas.microsoft.com/office/drawing/2014/main" id="{F6423B97-A5D4-47B9-8861-73B3707A04CF}"/>
               </a:ext>
             </a:extLst>
           </p:cNvPr>
@@ -1184,7 +1197,7 @@
           <p:cNvPr id="9" name="Rectangle 8">
             <a:extLst>
               <a:ext uri="{FF2B5EF4-FFF2-40B4-BE49-F238E27FC236}">
-                <a16:creationId xmlns:a16="http://schemas.microsoft.com/office/drawing/2014/main" xmlns="" id="{1AEC0421-37B4-4481-A10D-69FDF5EC7909}"/>
+                <a16:creationId xmlns:a16="http://schemas.microsoft.com/office/drawing/2014/main" id="{1AEC0421-37B4-4481-A10D-69FDF5EC7909}"/>
               </a:ext>
             </a:extLst>
           </p:cNvPr>
@@ -1227,7 +1240,7 @@
           <p:cNvPr id="10" name="Rectangle 9">
             <a:extLst>
               <a:ext uri="{FF2B5EF4-FFF2-40B4-BE49-F238E27FC236}">
-                <a16:creationId xmlns:a16="http://schemas.microsoft.com/office/drawing/2014/main" xmlns="" id="{5F7265B5-9F97-4F1E-99E9-74F7B7E62337}"/>
+                <a16:creationId xmlns:a16="http://schemas.microsoft.com/office/drawing/2014/main" id="{5F7265B5-9F97-4F1E-99E9-74F7B7E62337}"/>
               </a:ext>
             </a:extLst>
           </p:cNvPr>
@@ -1270,7 +1283,7 @@
           <p:cNvPr id="11" name="Date Placeholder 10">
             <a:extLst>
               <a:ext uri="{FF2B5EF4-FFF2-40B4-BE49-F238E27FC236}">
-                <a16:creationId xmlns:a16="http://schemas.microsoft.com/office/drawing/2014/main" xmlns="" id="{5C74A470-3BD3-4F33-80E5-67E6E87FCBE7}"/>
+                <a16:creationId xmlns:a16="http://schemas.microsoft.com/office/drawing/2014/main" id="{5C74A470-3BD3-4F33-80E5-67E6E87FCBE7}"/>
               </a:ext>
             </a:extLst>
           </p:cNvPr>
@@ -1288,7 +1301,7 @@
           <a:p>
             <a:fld id="{ED291B17-9318-49DB-B28B-6E5994AE9581}" type="datetime1">
               <a:rPr lang="en-US" smtClean="0"/>
-              <a:t>1/17/2025</a:t>
+              <a:t>3/2/2025</a:t>
             </a:fld>
             <a:endParaRPr lang="en-US"/>
           </a:p>
@@ -1299,7 +1312,7 @@
           <p:cNvPr id="12" name="Footer Placeholder 11">
             <a:extLst>
               <a:ext uri="{FF2B5EF4-FFF2-40B4-BE49-F238E27FC236}">
-                <a16:creationId xmlns:a16="http://schemas.microsoft.com/office/drawing/2014/main" xmlns="" id="{9A3A30BA-DB50-4D7D-BCDE-17D20FB354DF}"/>
+                <a16:creationId xmlns:a16="http://schemas.microsoft.com/office/drawing/2014/main" id="{9A3A30BA-DB50-4D7D-BCDE-17D20FB354DF}"/>
               </a:ext>
             </a:extLst>
           </p:cNvPr>
@@ -1332,7 +1345,7 @@
           <p:cNvPr id="13" name="Slide Number Placeholder 12">
             <a:extLst>
               <a:ext uri="{FF2B5EF4-FFF2-40B4-BE49-F238E27FC236}">
-                <a16:creationId xmlns:a16="http://schemas.microsoft.com/office/drawing/2014/main" xmlns="" id="{76FF9E58-C0B2-436B-A21C-DB45A00D6515}"/>
+                <a16:creationId xmlns:a16="http://schemas.microsoft.com/office/drawing/2014/main" id="{76FF9E58-C0B2-436B-A21C-DB45A00D6515}"/>
               </a:ext>
             </a:extLst>
           </p:cNvPr>
@@ -1474,7 +1487,7 @@
           <p:cNvPr id="8" name="Date Placeholder 7">
             <a:extLst>
               <a:ext uri="{FF2B5EF4-FFF2-40B4-BE49-F238E27FC236}">
-                <a16:creationId xmlns:a16="http://schemas.microsoft.com/office/drawing/2014/main" xmlns="" id="{770E6237-3456-439F-802D-3BA93FC7E3E5}"/>
+                <a16:creationId xmlns:a16="http://schemas.microsoft.com/office/drawing/2014/main" id="{770E6237-3456-439F-802D-3BA93FC7E3E5}"/>
               </a:ext>
             </a:extLst>
           </p:cNvPr>
@@ -1492,7 +1505,7 @@
           <a:p>
             <a:fld id="{78DD82B9-B8EE-4375-B6FF-88FA6ABB15D9}" type="datetime1">
               <a:rPr lang="en-US" smtClean="0"/>
-              <a:t>1/17/2025</a:t>
+              <a:t>3/2/2025</a:t>
             </a:fld>
             <a:endParaRPr lang="en-US"/>
           </a:p>
@@ -1731,7 +1744,7 @@
           <p:cNvPr id="7" name="Date Placeholder 6">
             <a:extLst>
               <a:ext uri="{FF2B5EF4-FFF2-40B4-BE49-F238E27FC236}">
-                <a16:creationId xmlns:a16="http://schemas.microsoft.com/office/drawing/2014/main" xmlns="" id="{61582016-5696-4A93-887F-BBB3B9002FE5}"/>
+                <a16:creationId xmlns:a16="http://schemas.microsoft.com/office/drawing/2014/main" id="{61582016-5696-4A93-887F-BBB3B9002FE5}"/>
               </a:ext>
             </a:extLst>
           </p:cNvPr>
@@ -1749,7 +1762,7 @@
           <a:p>
             <a:fld id="{B2497495-0637-405E-AE64-5CC7506D51F5}" type="datetime1">
               <a:rPr lang="en-US" smtClean="0"/>
-              <a:t>1/17/2025</a:t>
+              <a:t>3/2/2025</a:t>
             </a:fld>
             <a:endParaRPr lang="en-US"/>
           </a:p>
@@ -1760,7 +1773,7 @@
           <p:cNvPr id="9" name="Footer Placeholder 8">
             <a:extLst>
               <a:ext uri="{FF2B5EF4-FFF2-40B4-BE49-F238E27FC236}">
-                <a16:creationId xmlns:a16="http://schemas.microsoft.com/office/drawing/2014/main" xmlns="" id="{857CFCD5-1192-4E18-8A8F-29E153B44DA4}"/>
+                <a16:creationId xmlns:a16="http://schemas.microsoft.com/office/drawing/2014/main" id="{857CFCD5-1192-4E18-8A8F-29E153B44DA4}"/>
               </a:ext>
             </a:extLst>
           </p:cNvPr>
@@ -1793,7 +1806,7 @@
           <p:cNvPr id="10" name="Slide Number Placeholder 9">
             <a:extLst>
               <a:ext uri="{FF2B5EF4-FFF2-40B4-BE49-F238E27FC236}">
-                <a16:creationId xmlns:a16="http://schemas.microsoft.com/office/drawing/2014/main" xmlns="" id="{E39A109E-5018-4794-92B3-FD5E5BCD95E8}"/>
+                <a16:creationId xmlns:a16="http://schemas.microsoft.com/office/drawing/2014/main" id="{E39A109E-5018-4794-92B3-FD5E5BCD95E8}"/>
               </a:ext>
             </a:extLst>
           </p:cNvPr>
@@ -2007,7 +2020,7 @@
           <a:p>
             <a:fld id="{7BFFD690-9426-415D-8B65-26881E07B2D4}" type="datetime1">
               <a:rPr lang="en-US" smtClean="0"/>
-              <a:t>1/17/2025</a:t>
+              <a:t>3/2/2025</a:t>
             </a:fld>
             <a:endParaRPr lang="en-US"/>
           </a:p>
@@ -2434,7 +2447,7 @@
           <a:p>
             <a:fld id="{04C4989A-474C-40DE-95B9-011C28B71673}" type="datetime1">
               <a:rPr lang="en-US" smtClean="0"/>
-              <a:t>1/17/2025</a:t>
+              <a:t>3/2/2025</a:t>
             </a:fld>
             <a:endParaRPr lang="en-US"/>
           </a:p>
@@ -2564,7 +2577,7 @@
           <a:p>
             <a:fld id="{5DB4ED54-5B5E-4A04-93D3-5772E3CE3818}" type="datetime1">
               <a:rPr lang="en-US" smtClean="0"/>
-              <a:t>1/17/2025</a:t>
+              <a:t>3/2/2025</a:t>
             </a:fld>
             <a:endParaRPr lang="en-US"/>
           </a:p>
@@ -2667,7 +2680,7 @@
           <a:p>
             <a:fld id="{4EDE50D6-574B-40AF-946F-D52A04ADE379}" type="datetime1">
               <a:rPr lang="en-US" smtClean="0"/>
-              <a:t>1/17/2025</a:t>
+              <a:t>3/2/2025</a:t>
             </a:fld>
             <a:endParaRPr lang="en-US"/>
           </a:p>
@@ -3027,7 +3040,7 @@
           <p:cNvPr id="8" name="Date Placeholder 7">
             <a:extLst>
               <a:ext uri="{FF2B5EF4-FFF2-40B4-BE49-F238E27FC236}">
-                <a16:creationId xmlns:a16="http://schemas.microsoft.com/office/drawing/2014/main" xmlns="" id="{0B919CC2-2A65-446F-B538-9E6249035445}"/>
+                <a16:creationId xmlns:a16="http://schemas.microsoft.com/office/drawing/2014/main" id="{0B919CC2-2A65-446F-B538-9E6249035445}"/>
               </a:ext>
             </a:extLst>
           </p:cNvPr>
@@ -3050,7 +3063,7 @@
           <a:p>
             <a:fld id="{D82884F1-FFEA-405F-9602-3DCA865EDA4E}" type="datetime1">
               <a:rPr lang="en-US" smtClean="0"/>
-              <a:t>1/17/2025</a:t>
+              <a:t>3/2/2025</a:t>
             </a:fld>
             <a:endParaRPr lang="en-US"/>
           </a:p>
@@ -3061,7 +3074,7 @@
           <p:cNvPr id="10" name="Footer Placeholder 9">
             <a:extLst>
               <a:ext uri="{FF2B5EF4-FFF2-40B4-BE49-F238E27FC236}">
-                <a16:creationId xmlns:a16="http://schemas.microsoft.com/office/drawing/2014/main" xmlns="" id="{B72412AE-119E-4982-8B24-63365EFCA796}"/>
+                <a16:creationId xmlns:a16="http://schemas.microsoft.com/office/drawing/2014/main" id="{B72412AE-119E-4982-8B24-63365EFCA796}"/>
               </a:ext>
             </a:extLst>
           </p:cNvPr>
@@ -3094,7 +3107,7 @@
           <p:cNvPr id="11" name="Slide Number Placeholder 10">
             <a:extLst>
               <a:ext uri="{FF2B5EF4-FFF2-40B4-BE49-F238E27FC236}">
-                <a16:creationId xmlns:a16="http://schemas.microsoft.com/office/drawing/2014/main" xmlns="" id="{7FC4BB19-6AD1-45CF-9F99-00B109890FAB}"/>
+                <a16:creationId xmlns:a16="http://schemas.microsoft.com/office/drawing/2014/main" id="{7FC4BB19-6AD1-45CF-9F99-00B109890FAB}"/>
               </a:ext>
             </a:extLst>
           </p:cNvPr>
@@ -3344,7 +3357,7 @@
           <a:p>
             <a:fld id="{7E18DB4A-8810-4A10-AD5C-D5E2C667F5B3}" type="datetime1">
               <a:rPr lang="en-US" smtClean="0"/>
-              <a:t>1/17/2025</a:t>
+              <a:t>3/2/2025</a:t>
             </a:fld>
             <a:endParaRPr lang="en-US"/>
           </a:p>
@@ -3565,7 +3578,7 @@
           <a:p>
             <a:fld id="{ED291B17-9318-49DB-B28B-6E5994AE9581}" type="datetime1">
               <a:rPr lang="en-US" smtClean="0"/>
-              <a:t>1/17/2025</a:t>
+              <a:t>3/2/2025</a:t>
             </a:fld>
             <a:endParaRPr lang="en-US"/>
           </a:p>
@@ -3729,7 +3742,7 @@
           <p:cNvPr id="8" name="Picture 7" descr="Logo&#10;&#10;Description automatically generated">
             <a:extLst>
               <a:ext uri="{FF2B5EF4-FFF2-40B4-BE49-F238E27FC236}">
-                <a16:creationId xmlns:a16="http://schemas.microsoft.com/office/drawing/2014/main" xmlns="" id="{14A64E4D-8DED-7830-2955-1BE78C5B0655}"/>
+                <a16:creationId xmlns:a16="http://schemas.microsoft.com/office/drawing/2014/main" id="{14A64E4D-8DED-7830-2955-1BE78C5B0655}"/>
               </a:ext>
             </a:extLst>
           </p:cNvPr>
@@ -4194,7 +4207,7 @@
           <p:cNvPr id="2" name="Title 1">
             <a:extLst>
               <a:ext uri="{FF2B5EF4-FFF2-40B4-BE49-F238E27FC236}">
-                <a16:creationId xmlns:a16="http://schemas.microsoft.com/office/drawing/2014/main" xmlns="" id="{A8A11E26-4C38-41A6-9857-11032CEECD80}"/>
+                <a16:creationId xmlns:a16="http://schemas.microsoft.com/office/drawing/2014/main" id="{A8A11E26-4C38-41A6-9857-11032CEECD80}"/>
               </a:ext>
             </a:extLst>
           </p:cNvPr>
@@ -4253,7 +4266,7 @@
           <a:p>
             <a:pPr algn="ctr"/>
             <a:r>
-              <a:rPr lang="en-US" sz="3200" b="1" dirty="0" smtClean="0">
+              <a:rPr lang="en-US" sz="3200" b="1" dirty="0" err="1">
                 <a:solidFill>
                   <a:schemeClr val="accent1">
                     <a:lumMod val="75000"/>
@@ -4262,7 +4275,7 @@
                 <a:latin typeface="Arial"/>
                 <a:cs typeface="Arial"/>
               </a:rPr>
-              <a:t>CAPSTONE PROJECT</a:t>
+              <a:t>mystego</a:t>
             </a:r>
             <a:endParaRPr lang="en-US" sz="3200" b="1" dirty="0">
               <a:solidFill>
@@ -4313,7 +4326,7 @@
           </a:p>
           <a:p>
             <a:r>
-              <a:rPr lang="en-US" sz="2000" b="1" dirty="0" smtClean="0">
+              <a:rPr lang="en-US" sz="2000" b="1" dirty="0">
                 <a:solidFill>
                   <a:schemeClr val="accent1">
                     <a:lumMod val="75000"/>
@@ -4322,8 +4335,10 @@
                 <a:latin typeface="Arial"/>
                 <a:cs typeface="Arial"/>
               </a:rPr>
-              <a:t>Student Name </a:t>
-            </a:r>
+              <a:t>Student Name : </a:t>
+            </a:r>
+          </a:p>
+          <a:p>
             <a:r>
               <a:rPr lang="en-US" sz="2000" b="1" dirty="0">
                 <a:solidFill>
@@ -4334,33 +4349,7 @@
                 <a:latin typeface="Arial"/>
                 <a:cs typeface="Arial"/>
               </a:rPr>
-              <a:t>: </a:t>
-            </a:r>
-          </a:p>
-          <a:p>
-            <a:r>
-              <a:rPr lang="en-US" sz="2000" b="1" dirty="0" smtClean="0">
-                <a:solidFill>
-                  <a:schemeClr val="accent1">
-                    <a:lumMod val="75000"/>
-                  </a:schemeClr>
-                </a:solidFill>
-                <a:latin typeface="Arial"/>
-                <a:cs typeface="Arial"/>
-              </a:rPr>
-              <a:t>College </a:t>
-            </a:r>
-            <a:r>
-              <a:rPr lang="en-US" sz="2000" b="1" dirty="0">
-                <a:solidFill>
-                  <a:schemeClr val="accent1">
-                    <a:lumMod val="75000"/>
-                  </a:schemeClr>
-                </a:solidFill>
-                <a:latin typeface="Arial"/>
-                <a:cs typeface="Arial"/>
-              </a:rPr>
-              <a:t>Name &amp; Department : </a:t>
+              <a:t>College Name &amp; Department : </a:t>
             </a:r>
           </a:p>
           <a:p>
@@ -4408,10 +4397,42 @@
       </p:grpSpPr>
       <p:sp>
         <p:nvSpPr>
+          <p:cNvPr id="2" name="Title 1">
+            <a:extLst>
+              <a:ext uri="{FF2B5EF4-FFF2-40B4-BE49-F238E27FC236}">
+                <a16:creationId xmlns:a16="http://schemas.microsoft.com/office/drawing/2014/main" id="{FA4C6B3D-1072-C2D2-EBFE-E33CABE394D1}"/>
+              </a:ext>
+            </a:extLst>
+          </p:cNvPr>
+          <p:cNvSpPr>
+            <a:spLocks noGrp="1"/>
+          </p:cNvSpPr>
+          <p:nvPr>
+            <p:ph type="title"/>
+          </p:nvPr>
+        </p:nvSpPr>
+        <p:spPr/>
+        <p:txBody>
+          <a:bodyPr/>
+          <a:lstStyle/>
+          <a:p>
+            <a:r>
+              <a:rPr lang="en-IN" dirty="0">
+                <a:solidFill>
+                  <a:schemeClr val="accent1"/>
+                </a:solidFill>
+              </a:rPr>
+              <a:t>Conclusion</a:t>
+            </a:r>
+          </a:p>
+        </p:txBody>
+      </p:sp>
+      <p:sp>
+        <p:nvSpPr>
           <p:cNvPr id="3" name="Content Placeholder 2">
             <a:extLst>
               <a:ext uri="{FF2B5EF4-FFF2-40B4-BE49-F238E27FC236}">
-                <a16:creationId xmlns:a16="http://schemas.microsoft.com/office/drawing/2014/main" xmlns="" id="{A6638FD1-D00E-E75B-705C-564F06D93D7B}"/>
+                <a16:creationId xmlns:a16="http://schemas.microsoft.com/office/drawing/2014/main" id="{D4974547-DF1B-77BB-E545-9344EDB9AD3F}"/>
               </a:ext>
             </a:extLst>
           </p:cNvPr>
@@ -4427,151 +4448,17 @@
           <a:bodyPr/>
           <a:lstStyle/>
           <a:p>
-            <a:pPr marL="305435" indent="-305435"/>
-            <a:endParaRPr lang="en-US" dirty="0"/>
-          </a:p>
-        </p:txBody>
-      </p:sp>
-      <p:sp>
-        <p:nvSpPr>
-          <p:cNvPr id="5" name="Title 4">
-            <a:extLst>
-              <a:ext uri="{FF2B5EF4-FFF2-40B4-BE49-F238E27FC236}">
-                <a16:creationId xmlns:a16="http://schemas.microsoft.com/office/drawing/2014/main" xmlns="" id="{3F968F13-9AC4-7120-7ACD-9F752C767D5D}"/>
-              </a:ext>
-            </a:extLst>
-          </p:cNvPr>
-          <p:cNvSpPr txBox="1">
-            <a:spLocks/>
-          </p:cNvSpPr>
-          <p:nvPr/>
-        </p:nvSpPr>
-        <p:spPr>
-          <a:xfrm>
-            <a:off x="535670" y="844659"/>
-            <a:ext cx="11029616" cy="530296"/>
-          </a:xfrm>
-          <a:prstGeom prst="rect">
-            <a:avLst/>
-          </a:prstGeom>
-        </p:spPr>
-        <p:txBody>
-          <a:bodyPr vert="horz" lIns="91440" tIns="45720" rIns="91440" bIns="45720" rtlCol="0" anchor="b">
-            <a:normAutofit fontScale="75000" lnSpcReduction="20000"/>
-          </a:bodyPr>
-          <a:lstStyle>
-            <a:lvl1pPr algn="l" defTabSz="457200" rtl="0" eaLnBrk="1" latinLnBrk="0" hangingPunct="1">
-              <a:lnSpc>
-                <a:spcPct val="100000"/>
-              </a:lnSpc>
-              <a:spcBef>
-                <a:spcPct val="0"/>
-              </a:spcBef>
-              <a:buNone/>
-              <a:defRPr sz="2800" b="0" kern="1200" cap="all">
-                <a:solidFill>
-                  <a:schemeClr val="tx1">
-                    <a:lumMod val="75000"/>
-                    <a:lumOff val="25000"/>
-                  </a:schemeClr>
-                </a:solidFill>
-                <a:latin typeface="+mj-lt"/>
-                <a:ea typeface="+mj-ea"/>
-                <a:cs typeface="+mj-cs"/>
-              </a:defRPr>
-            </a:lvl1pPr>
-            <a:lvl2pPr eaLnBrk="1" hangingPunct="1">
-              <a:defRPr>
-                <a:solidFill>
-                  <a:schemeClr val="tx2"/>
-                </a:solidFill>
-              </a:defRPr>
-            </a:lvl2pPr>
-            <a:lvl3pPr eaLnBrk="1" hangingPunct="1">
-              <a:defRPr>
-                <a:solidFill>
-                  <a:schemeClr val="tx2"/>
-                </a:solidFill>
-              </a:defRPr>
-            </a:lvl3pPr>
-            <a:lvl4pPr eaLnBrk="1" hangingPunct="1">
-              <a:defRPr>
-                <a:solidFill>
-                  <a:schemeClr val="tx2"/>
-                </a:solidFill>
-              </a:defRPr>
-            </a:lvl4pPr>
-            <a:lvl5pPr eaLnBrk="1" hangingPunct="1">
-              <a:defRPr>
-                <a:solidFill>
-                  <a:schemeClr val="tx2"/>
-                </a:solidFill>
-              </a:defRPr>
-            </a:lvl5pPr>
-            <a:lvl6pPr eaLnBrk="1" hangingPunct="1">
-              <a:defRPr>
-                <a:solidFill>
-                  <a:schemeClr val="tx2"/>
-                </a:solidFill>
-              </a:defRPr>
-            </a:lvl6pPr>
-            <a:lvl7pPr eaLnBrk="1" hangingPunct="1">
-              <a:defRPr>
-                <a:solidFill>
-                  <a:schemeClr val="tx2"/>
-                </a:solidFill>
-              </a:defRPr>
-            </a:lvl7pPr>
-            <a:lvl8pPr eaLnBrk="1" hangingPunct="1">
-              <a:defRPr>
-                <a:solidFill>
-                  <a:schemeClr val="tx2"/>
-                </a:solidFill>
-              </a:defRPr>
-            </a:lvl8pPr>
-            <a:lvl9pPr eaLnBrk="1" hangingPunct="1">
-              <a:defRPr>
-                <a:solidFill>
-                  <a:schemeClr val="tx2"/>
-                </a:solidFill>
-              </a:defRPr>
-            </a:lvl9pPr>
-          </a:lstStyle>
-          <a:p>
-            <a:r>
-              <a:rPr lang="en-US" sz="4400" b="1" dirty="0">
-                <a:solidFill>
-                  <a:schemeClr val="accent1"/>
-                </a:solidFill>
-                <a:latin typeface="Arial"/>
-                <a:cs typeface="Arial"/>
-              </a:rPr>
-              <a:t>Future </a:t>
-            </a:r>
-            <a:r>
-              <a:rPr lang="en-US" sz="4400" b="1" dirty="0" smtClean="0">
-                <a:solidFill>
-                  <a:schemeClr val="accent1"/>
-                </a:solidFill>
-                <a:latin typeface="Arial"/>
-                <a:cs typeface="Arial"/>
-              </a:rPr>
-              <a:t>scope(optional)</a:t>
-            </a:r>
-            <a:endParaRPr lang="en-US" sz="4400" b="1" dirty="0">
-              <a:solidFill>
-                <a:schemeClr val="accent1"/>
-              </a:solidFill>
-              <a:latin typeface="Arial"/>
-              <a:cs typeface="Arial"/>
-            </a:endParaRPr>
+            <a:r>
+              <a:rPr lang="en-IN" dirty="0"/>
+              <a:t>Conclude your project concerning your problem statement</a:t>
+            </a:r>
           </a:p>
         </p:txBody>
       </p:sp>
     </p:spTree>
     <p:extLst>
       <p:ext uri="{BB962C8B-B14F-4D97-AF65-F5344CB8AC3E}">
-        <p14:creationId xmlns:p14="http://schemas.microsoft.com/office/powerpoint/2010/main" val="614882681"/>
+        <p14:creationId xmlns:p14="http://schemas.microsoft.com/office/powerpoint/2010/main" val="4233882376"/>
       </p:ext>
     </p:extLst>
   </p:cSld>
@@ -4600,10 +4487,276 @@
       </p:grpSpPr>
       <p:sp>
         <p:nvSpPr>
+          <p:cNvPr id="2" name="Title 1">
+            <a:extLst>
+              <a:ext uri="{FF2B5EF4-FFF2-40B4-BE49-F238E27FC236}">
+                <a16:creationId xmlns:a16="http://schemas.microsoft.com/office/drawing/2014/main" id="{48E9F08C-D61F-627D-C4E5-397E3E84FC45}"/>
+              </a:ext>
+            </a:extLst>
+          </p:cNvPr>
+          <p:cNvSpPr>
+            <a:spLocks noGrp="1"/>
+          </p:cNvSpPr>
+          <p:nvPr>
+            <p:ph type="title"/>
+          </p:nvPr>
+        </p:nvSpPr>
+        <p:spPr/>
+        <p:txBody>
+          <a:bodyPr/>
+          <a:lstStyle/>
+          <a:p>
+            <a:r>
+              <a:rPr lang="en-IN" dirty="0">
+                <a:solidFill>
+                  <a:schemeClr val="accent1"/>
+                </a:solidFill>
+              </a:rPr>
+              <a:t>GitHub Link</a:t>
+            </a:r>
+          </a:p>
+        </p:txBody>
+      </p:sp>
+      <p:sp>
+        <p:nvSpPr>
+          <p:cNvPr id="3" name="Content Placeholder 2">
+            <a:extLst>
+              <a:ext uri="{FF2B5EF4-FFF2-40B4-BE49-F238E27FC236}">
+                <a16:creationId xmlns:a16="http://schemas.microsoft.com/office/drawing/2014/main" id="{51A299DD-46FA-7866-41D8-C1BFCC2F69DD}"/>
+              </a:ext>
+            </a:extLst>
+          </p:cNvPr>
+          <p:cNvSpPr>
+            <a:spLocks noGrp="1"/>
+          </p:cNvSpPr>
+          <p:nvPr>
+            <p:ph idx="1"/>
+          </p:nvPr>
+        </p:nvSpPr>
+        <p:spPr/>
+        <p:txBody>
+          <a:bodyPr/>
+          <a:lstStyle/>
+          <a:p>
+            <a:r>
+              <a:rPr lang="en-IN"/>
+              <a:t>https://github.com/Amol93872/cybersequrity</a:t>
+            </a:r>
+            <a:endParaRPr lang="en-IN" dirty="0"/>
+          </a:p>
+        </p:txBody>
+      </p:sp>
+    </p:spTree>
+    <p:extLst>
+      <p:ext uri="{BB962C8B-B14F-4D97-AF65-F5344CB8AC3E}">
+        <p14:creationId xmlns:p14="http://schemas.microsoft.com/office/powerpoint/2010/main" val="2230664768"/>
+      </p:ext>
+    </p:extLst>
+  </p:cSld>
+  <p:clrMapOvr>
+    <a:masterClrMapping/>
+  </p:clrMapOvr>
+</p:sld>
+</file>
+
+<file path=ppt/slides/slide12.xml><?xml version="1.0" encoding="utf-8"?>
+<p:sld xmlns:a="http://schemas.openxmlformats.org/drawingml/2006/main" xmlns:r="http://schemas.openxmlformats.org/officeDocument/2006/relationships" xmlns:p="http://schemas.openxmlformats.org/presentationml/2006/main">
+  <p:cSld>
+    <p:spTree>
+      <p:nvGrpSpPr>
+        <p:cNvPr id="1" name=""/>
+        <p:cNvGrpSpPr/>
+        <p:nvPr/>
+      </p:nvGrpSpPr>
+      <p:grpSpPr>
+        <a:xfrm>
+          <a:off x="0" y="0"/>
+          <a:ext cx="0" cy="0"/>
+          <a:chOff x="0" y="0"/>
+          <a:chExt cx="0" cy="0"/>
+        </a:xfrm>
+      </p:grpSpPr>
+      <p:sp>
+        <p:nvSpPr>
+          <p:cNvPr id="3" name="Content Placeholder 2">
+            <a:extLst>
+              <a:ext uri="{FF2B5EF4-FFF2-40B4-BE49-F238E27FC236}">
+                <a16:creationId xmlns:a16="http://schemas.microsoft.com/office/drawing/2014/main" id="{A6638FD1-D00E-E75B-705C-564F06D93D7B}"/>
+              </a:ext>
+            </a:extLst>
+          </p:cNvPr>
+          <p:cNvSpPr>
+            <a:spLocks noGrp="1"/>
+          </p:cNvSpPr>
+          <p:nvPr>
+            <p:ph idx="1"/>
+          </p:nvPr>
+        </p:nvSpPr>
+        <p:spPr/>
+        <p:txBody>
+          <a:bodyPr/>
+          <a:lstStyle/>
+          <a:p>
+            <a:pPr marL="305435" indent="-305435"/>
+            <a:endParaRPr lang="en-US" dirty="0"/>
+          </a:p>
+        </p:txBody>
+      </p:sp>
+      <p:sp>
+        <p:nvSpPr>
           <p:cNvPr id="5" name="Title 4">
             <a:extLst>
               <a:ext uri="{FF2B5EF4-FFF2-40B4-BE49-F238E27FC236}">
-                <a16:creationId xmlns:a16="http://schemas.microsoft.com/office/drawing/2014/main" xmlns="" id="{8BE4CA82-64EC-4D4E-A5E5-3EBB66E7B24C}"/>
+                <a16:creationId xmlns:a16="http://schemas.microsoft.com/office/drawing/2014/main" id="{3F968F13-9AC4-7120-7ACD-9F752C767D5D}"/>
+              </a:ext>
+            </a:extLst>
+          </p:cNvPr>
+          <p:cNvSpPr txBox="1">
+            <a:spLocks/>
+          </p:cNvSpPr>
+          <p:nvPr/>
+        </p:nvSpPr>
+        <p:spPr>
+          <a:xfrm>
+            <a:off x="535670" y="844659"/>
+            <a:ext cx="11029616" cy="530296"/>
+          </a:xfrm>
+          <a:prstGeom prst="rect">
+            <a:avLst/>
+          </a:prstGeom>
+        </p:spPr>
+        <p:txBody>
+          <a:bodyPr vert="horz" lIns="91440" tIns="45720" rIns="91440" bIns="45720" rtlCol="0" anchor="b">
+            <a:normAutofit fontScale="75000" lnSpcReduction="20000"/>
+          </a:bodyPr>
+          <a:lstStyle>
+            <a:lvl1pPr algn="l" defTabSz="457200" rtl="0" eaLnBrk="1" latinLnBrk="0" hangingPunct="1">
+              <a:lnSpc>
+                <a:spcPct val="100000"/>
+              </a:lnSpc>
+              <a:spcBef>
+                <a:spcPct val="0"/>
+              </a:spcBef>
+              <a:buNone/>
+              <a:defRPr sz="2800" b="0" kern="1200" cap="all">
+                <a:solidFill>
+                  <a:schemeClr val="tx1">
+                    <a:lumMod val="75000"/>
+                    <a:lumOff val="25000"/>
+                  </a:schemeClr>
+                </a:solidFill>
+                <a:latin typeface="+mj-lt"/>
+                <a:ea typeface="+mj-ea"/>
+                <a:cs typeface="+mj-cs"/>
+              </a:defRPr>
+            </a:lvl1pPr>
+            <a:lvl2pPr eaLnBrk="1" hangingPunct="1">
+              <a:defRPr>
+                <a:solidFill>
+                  <a:schemeClr val="tx2"/>
+                </a:solidFill>
+              </a:defRPr>
+            </a:lvl2pPr>
+            <a:lvl3pPr eaLnBrk="1" hangingPunct="1">
+              <a:defRPr>
+                <a:solidFill>
+                  <a:schemeClr val="tx2"/>
+                </a:solidFill>
+              </a:defRPr>
+            </a:lvl3pPr>
+            <a:lvl4pPr eaLnBrk="1" hangingPunct="1">
+              <a:defRPr>
+                <a:solidFill>
+                  <a:schemeClr val="tx2"/>
+                </a:solidFill>
+              </a:defRPr>
+            </a:lvl4pPr>
+            <a:lvl5pPr eaLnBrk="1" hangingPunct="1">
+              <a:defRPr>
+                <a:solidFill>
+                  <a:schemeClr val="tx2"/>
+                </a:solidFill>
+              </a:defRPr>
+            </a:lvl5pPr>
+            <a:lvl6pPr eaLnBrk="1" hangingPunct="1">
+              <a:defRPr>
+                <a:solidFill>
+                  <a:schemeClr val="tx2"/>
+                </a:solidFill>
+              </a:defRPr>
+            </a:lvl6pPr>
+            <a:lvl7pPr eaLnBrk="1" hangingPunct="1">
+              <a:defRPr>
+                <a:solidFill>
+                  <a:schemeClr val="tx2"/>
+                </a:solidFill>
+              </a:defRPr>
+            </a:lvl7pPr>
+            <a:lvl8pPr eaLnBrk="1" hangingPunct="1">
+              <a:defRPr>
+                <a:solidFill>
+                  <a:schemeClr val="tx2"/>
+                </a:solidFill>
+              </a:defRPr>
+            </a:lvl8pPr>
+            <a:lvl9pPr eaLnBrk="1" hangingPunct="1">
+              <a:defRPr>
+                <a:solidFill>
+                  <a:schemeClr val="tx2"/>
+                </a:solidFill>
+              </a:defRPr>
+            </a:lvl9pPr>
+          </a:lstStyle>
+          <a:p>
+            <a:r>
+              <a:rPr lang="en-US" sz="4400" b="1" dirty="0">
+                <a:solidFill>
+                  <a:schemeClr val="accent1"/>
+                </a:solidFill>
+                <a:latin typeface="Arial"/>
+                <a:cs typeface="Arial"/>
+              </a:rPr>
+              <a:t>Future scope(optional)</a:t>
+            </a:r>
+          </a:p>
+        </p:txBody>
+      </p:sp>
+    </p:spTree>
+    <p:extLst>
+      <p:ext uri="{BB962C8B-B14F-4D97-AF65-F5344CB8AC3E}">
+        <p14:creationId xmlns:p14="http://schemas.microsoft.com/office/powerpoint/2010/main" val="614882681"/>
+      </p:ext>
+    </p:extLst>
+  </p:cSld>
+  <p:clrMapOvr>
+    <a:masterClrMapping/>
+  </p:clrMapOvr>
+</p:sld>
+</file>
+
+<file path=ppt/slides/slide13.xml><?xml version="1.0" encoding="utf-8"?>
+<p:sld xmlns:a="http://schemas.openxmlformats.org/drawingml/2006/main" xmlns:r="http://schemas.openxmlformats.org/officeDocument/2006/relationships" xmlns:p="http://schemas.openxmlformats.org/presentationml/2006/main">
+  <p:cSld>
+    <p:spTree>
+      <p:nvGrpSpPr>
+        <p:cNvPr id="1" name=""/>
+        <p:cNvGrpSpPr/>
+        <p:nvPr/>
+      </p:nvGrpSpPr>
+      <p:grpSpPr>
+        <a:xfrm>
+          <a:off x="0" y="0"/>
+          <a:ext cx="0" cy="0"/>
+          <a:chOff x="0" y="0"/>
+          <a:chExt cx="0" cy="0"/>
+        </a:xfrm>
+      </p:grpSpPr>
+      <p:sp>
+        <p:nvSpPr>
+          <p:cNvPr id="5" name="Title 4">
+            <a:extLst>
+              <a:ext uri="{FF2B5EF4-FFF2-40B4-BE49-F238E27FC236}">
+                <a16:creationId xmlns:a16="http://schemas.microsoft.com/office/drawing/2014/main" id="{8BE4CA82-64EC-4D4E-A5E5-3EBB66E7B24C}"/>
               </a:ext>
             </a:extLst>
           </p:cNvPr>
@@ -4673,7 +4826,7 @@
           <p:cNvPr id="2" name="Title 1">
             <a:extLst>
               <a:ext uri="{FF2B5EF4-FFF2-40B4-BE49-F238E27FC236}">
-                <a16:creationId xmlns:a16="http://schemas.microsoft.com/office/drawing/2014/main" xmlns="" id="{49FFEB4C-F209-4AE7-AA2B-B3C26CE2C51D}"/>
+                <a16:creationId xmlns:a16="http://schemas.microsoft.com/office/drawing/2014/main" id="{49FFEB4C-F209-4AE7-AA2B-B3C26CE2C51D}"/>
               </a:ext>
             </a:extLst>
           </p:cNvPr>
@@ -4712,7 +4865,7 @@
           <p:cNvPr id="3" name="Content Placeholder 2">
             <a:extLst>
               <a:ext uri="{FF2B5EF4-FFF2-40B4-BE49-F238E27FC236}">
-                <a16:creationId xmlns:a16="http://schemas.microsoft.com/office/drawing/2014/main" xmlns="" id="{B2678641-EEA3-4EC4-BF39-4075B0C120E8}"/>
+                <a16:creationId xmlns:a16="http://schemas.microsoft.com/office/drawing/2014/main" id="{B2678641-EEA3-4EC4-BF39-4075B0C120E8}"/>
               </a:ext>
             </a:extLst>
           </p:cNvPr>
@@ -4910,7 +5063,7 @@
           <p:cNvPr id="5" name="Title 4">
             <a:extLst>
               <a:ext uri="{FF2B5EF4-FFF2-40B4-BE49-F238E27FC236}">
-                <a16:creationId xmlns:a16="http://schemas.microsoft.com/office/drawing/2014/main" xmlns="" id="{8FBA75B4-2DD5-42EB-9397-F36BFB8BA723}"/>
+                <a16:creationId xmlns:a16="http://schemas.microsoft.com/office/drawing/2014/main" id="{8FBA75B4-2DD5-42EB-9397-F36BFB8BA723}"/>
               </a:ext>
             </a:extLst>
           </p:cNvPr>
@@ -4947,7 +5100,7 @@
           <p:cNvPr id="2" name="Content Placeholder 1">
             <a:extLst>
               <a:ext uri="{FF2B5EF4-FFF2-40B4-BE49-F238E27FC236}">
-                <a16:creationId xmlns:a16="http://schemas.microsoft.com/office/drawing/2014/main" xmlns="" id="{8FEE4A9C-3F57-7DA7-91FD-715C3FB47F93}"/>
+                <a16:creationId xmlns:a16="http://schemas.microsoft.com/office/drawing/2014/main" id="{8FEE4A9C-3F57-7DA7-91FD-715C3FB47F93}"/>
               </a:ext>
             </a:extLst>
           </p:cNvPr>
@@ -4965,23 +5118,248 @@
           </a:xfrm>
         </p:spPr>
         <p:txBody>
-          <a:bodyPr/>
+          <a:bodyPr>
+            <a:noAutofit/>
+          </a:bodyPr>
           <a:lstStyle/>
+          <a:p>
+            <a:pPr>
+              <a:lnSpc>
+                <a:spcPts val="2625"/>
+              </a:lnSpc>
+            </a:pPr>
+            <a:r>
+              <a:rPr lang="en-IN" sz="1400" b="0" dirty="0">
+                <a:solidFill>
+                  <a:schemeClr val="tx1"/>
+                </a:solidFill>
+                <a:effectLst/>
+                <a:latin typeface="Consolas" panose="020B0609020204030204" pitchFamily="49" charset="0"/>
+              </a:rPr>
+              <a:t>import cv2</a:t>
+            </a:r>
+          </a:p>
+          <a:p>
+            <a:pPr>
+              <a:lnSpc>
+                <a:spcPts val="2625"/>
+              </a:lnSpc>
+            </a:pPr>
+            <a:r>
+              <a:rPr lang="en-IN" sz="1400" b="0" dirty="0">
+                <a:solidFill>
+                  <a:schemeClr val="tx1"/>
+                </a:solidFill>
+                <a:effectLst/>
+                <a:latin typeface="Consolas" panose="020B0609020204030204" pitchFamily="49" charset="0"/>
+              </a:rPr>
+              <a:t>import </a:t>
+            </a:r>
+            <a:r>
+              <a:rPr lang="en-IN" sz="1400" b="0" dirty="0" err="1">
+                <a:solidFill>
+                  <a:schemeClr val="tx1"/>
+                </a:solidFill>
+                <a:effectLst/>
+                <a:latin typeface="Consolas" panose="020B0609020204030204" pitchFamily="49" charset="0"/>
+              </a:rPr>
+              <a:t>os</a:t>
+            </a:r>
+            <a:endParaRPr lang="en-IN" sz="1400" b="0" dirty="0">
+              <a:solidFill>
+                <a:schemeClr val="tx1"/>
+              </a:solidFill>
+              <a:effectLst/>
+              <a:latin typeface="Consolas" panose="020B0609020204030204" pitchFamily="49" charset="0"/>
+            </a:endParaRPr>
+          </a:p>
+          <a:p>
+            <a:pPr>
+              <a:lnSpc>
+                <a:spcPts val="2625"/>
+              </a:lnSpc>
+            </a:pPr>
+            <a:r>
+              <a:rPr lang="en-IN" sz="1400" b="0" dirty="0">
+                <a:solidFill>
+                  <a:schemeClr val="tx1"/>
+                </a:solidFill>
+                <a:effectLst/>
+                <a:latin typeface="Consolas" panose="020B0609020204030204" pitchFamily="49" charset="0"/>
+              </a:rPr>
+              <a:t>import string</a:t>
+            </a:r>
+          </a:p>
+          <a:p>
+            <a:pPr>
+              <a:lnSpc>
+                <a:spcPts val="2625"/>
+              </a:lnSpc>
+            </a:pPr>
+            <a:br>
+              <a:rPr lang="en-IN" sz="1400" b="0" dirty="0">
+                <a:solidFill>
+                  <a:schemeClr val="tx1"/>
+                </a:solidFill>
+                <a:effectLst/>
+                <a:latin typeface="Consolas" panose="020B0609020204030204" pitchFamily="49" charset="0"/>
+              </a:rPr>
+            </a:br>
+            <a:r>
+              <a:rPr lang="en-IN" sz="1400" b="0" dirty="0" err="1">
+                <a:solidFill>
+                  <a:schemeClr val="tx1"/>
+                </a:solidFill>
+                <a:effectLst/>
+                <a:latin typeface="Consolas" panose="020B0609020204030204" pitchFamily="49" charset="0"/>
+              </a:rPr>
+              <a:t>img</a:t>
+            </a:r>
+            <a:r>
+              <a:rPr lang="en-IN" sz="1400" b="0" dirty="0">
+                <a:solidFill>
+                  <a:schemeClr val="tx1"/>
+                </a:solidFill>
+                <a:effectLst/>
+                <a:latin typeface="Consolas" panose="020B0609020204030204" pitchFamily="49" charset="0"/>
+              </a:rPr>
+              <a:t> = cv2.imread("mypic.jpg")</a:t>
+            </a:r>
+          </a:p>
+          <a:p>
+            <a:pPr>
+              <a:lnSpc>
+                <a:spcPts val="2625"/>
+              </a:lnSpc>
+            </a:pPr>
+            <a:br>
+              <a:rPr lang="en-IN" sz="1400" b="0" dirty="0">
+                <a:solidFill>
+                  <a:schemeClr val="tx1"/>
+                </a:solidFill>
+                <a:effectLst/>
+                <a:latin typeface="Consolas" panose="020B0609020204030204" pitchFamily="49" charset="0"/>
+              </a:rPr>
+            </a:br>
+            <a:r>
+              <a:rPr lang="en-IN" sz="1400" b="0" dirty="0" err="1">
+                <a:solidFill>
+                  <a:schemeClr val="tx1"/>
+                </a:solidFill>
+                <a:effectLst/>
+                <a:latin typeface="Consolas" panose="020B0609020204030204" pitchFamily="49" charset="0"/>
+              </a:rPr>
+              <a:t>msg</a:t>
+            </a:r>
+            <a:r>
+              <a:rPr lang="en-IN" sz="1400" b="0" dirty="0">
+                <a:solidFill>
+                  <a:schemeClr val="tx1"/>
+                </a:solidFill>
+                <a:effectLst/>
+                <a:latin typeface="Consolas" panose="020B0609020204030204" pitchFamily="49" charset="0"/>
+              </a:rPr>
+              <a:t> = input("Enter </a:t>
+            </a:r>
+            <a:r>
+              <a:rPr lang="en-IN" sz="1400" b="0" dirty="0" err="1">
+                <a:solidFill>
+                  <a:schemeClr val="tx1"/>
+                </a:solidFill>
+                <a:effectLst/>
+                <a:latin typeface="Consolas" panose="020B0609020204030204" pitchFamily="49" charset="0"/>
+              </a:rPr>
+              <a:t>secert</a:t>
+            </a:r>
+            <a:r>
+              <a:rPr lang="en-IN" sz="1400" b="0" dirty="0">
+                <a:solidFill>
+                  <a:schemeClr val="tx1"/>
+                </a:solidFill>
+                <a:effectLst/>
+                <a:latin typeface="Consolas" panose="020B0609020204030204" pitchFamily="49" charset="0"/>
+              </a:rPr>
+              <a:t> message")</a:t>
+            </a:r>
+          </a:p>
+          <a:p>
+            <a:pPr>
+              <a:lnSpc>
+                <a:spcPts val="2625"/>
+              </a:lnSpc>
+            </a:pPr>
+            <a:br>
+              <a:rPr lang="en-IN" sz="1400" b="0" dirty="0">
+                <a:solidFill>
+                  <a:schemeClr val="tx1"/>
+                </a:solidFill>
+                <a:effectLst/>
+                <a:latin typeface="Consolas" panose="020B0609020204030204" pitchFamily="49" charset="0"/>
+              </a:rPr>
+            </a:br>
+            <a:r>
+              <a:rPr lang="en-IN" sz="1400" b="0" dirty="0">
+                <a:solidFill>
+                  <a:schemeClr val="tx1"/>
+                </a:solidFill>
+                <a:effectLst/>
+                <a:latin typeface="Consolas" panose="020B0609020204030204" pitchFamily="49" charset="0"/>
+              </a:rPr>
+              <a:t>password = input("Enter password")</a:t>
+            </a:r>
+          </a:p>
+          <a:p>
+            <a:pPr>
+              <a:lnSpc>
+                <a:spcPts val="2625"/>
+              </a:lnSpc>
+            </a:pPr>
+            <a:br>
+              <a:rPr lang="en-IN" sz="1400" b="0" dirty="0">
+                <a:solidFill>
+                  <a:schemeClr val="tx1"/>
+                </a:solidFill>
+                <a:effectLst/>
+                <a:latin typeface="Consolas" panose="020B0609020204030204" pitchFamily="49" charset="0"/>
+              </a:rPr>
+            </a:br>
+            <a:r>
+              <a:rPr lang="en-IN" sz="1400" b="0" dirty="0">
+                <a:solidFill>
+                  <a:schemeClr val="tx1"/>
+                </a:solidFill>
+                <a:effectLst/>
+                <a:latin typeface="Consolas" panose="020B0609020204030204" pitchFamily="49" charset="0"/>
+              </a:rPr>
+              <a:t>d={}</a:t>
+            </a:r>
+          </a:p>
+          <a:p>
+            <a:pPr>
+              <a:lnSpc>
+                <a:spcPts val="2625"/>
+              </a:lnSpc>
+            </a:pPr>
+            <a:r>
+              <a:rPr lang="en-IN" sz="1400" b="0" dirty="0">
+                <a:solidFill>
+                  <a:schemeClr val="tx1"/>
+                </a:solidFill>
+                <a:effectLst/>
+                <a:latin typeface="Consolas" panose="020B0609020204030204" pitchFamily="49" charset="0"/>
+              </a:rPr>
+              <a:t>c={}`</a:t>
+            </a:r>
+          </a:p>
           <a:p>
             <a:pPr marL="0" indent="0">
               <a:buNone/>
             </a:pPr>
-            <a:r>
-              <a:rPr lang="en-IN" sz="3200" dirty="0">
-                <a:solidFill>
-                  <a:srgbClr val="0F0F0F"/>
-                </a:solidFill>
-                <a:ea typeface="+mn-lt"/>
-                <a:cs typeface="+mn-lt"/>
-              </a:rPr>
-              <a:t>In 4 to 5 lines( write in precise words)</a:t>
-            </a:r>
-            <a:endParaRPr lang="en-IN" dirty="0"/>
+            <a:endParaRPr lang="en-IN" sz="1400" dirty="0">
+              <a:solidFill>
+                <a:schemeClr val="tx1"/>
+              </a:solidFill>
+            </a:endParaRPr>
           </a:p>
         </p:txBody>
       </p:sp>
@@ -5003,7 +5381,13 @@
   <p:cSld>
     <p:spTree>
       <p:nvGrpSpPr>
-        <p:cNvPr id="1" name=""/>
+        <p:cNvPr id="1" name="">
+          <a:extLst>
+            <a:ext uri="{FF2B5EF4-FFF2-40B4-BE49-F238E27FC236}">
+              <a16:creationId xmlns:a16="http://schemas.microsoft.com/office/drawing/2014/main" id="{D3C6AAC9-0174-9948-5F6A-D343CDE319AB}"/>
+            </a:ext>
+          </a:extLst>
+        </p:cNvPr>
         <p:cNvGrpSpPr/>
         <p:nvPr/>
       </p:nvGrpSpPr>
@@ -5020,7 +5404,7 @@
           <p:cNvPr id="5" name="Title 4">
             <a:extLst>
               <a:ext uri="{FF2B5EF4-FFF2-40B4-BE49-F238E27FC236}">
-                <a16:creationId xmlns:a16="http://schemas.microsoft.com/office/drawing/2014/main" xmlns="" id="{8FBA75B4-2DD5-42EB-9397-F36BFB8BA723}"/>
+                <a16:creationId xmlns:a16="http://schemas.microsoft.com/office/drawing/2014/main" id="{211DEED9-5058-B5BB-AACE-33C22AEE8AE8}"/>
               </a:ext>
             </a:extLst>
           </p:cNvPr>
@@ -5039,16 +5423,16 @@
           <a:lstStyle/>
           <a:p>
             <a:r>
-              <a:rPr lang="en-US" sz="4400" b="1" dirty="0">
+              <a:rPr lang="en-US" sz="4400" b="1">
                 <a:solidFill>
                   <a:schemeClr val="accent1"/>
                 </a:solidFill>
                 <a:latin typeface="Arial" panose="020B0604020202020204" pitchFamily="34" charset="0"/>
                 <a:cs typeface="Arial" panose="020B0604020202020204" pitchFamily="34" charset="0"/>
               </a:rPr>
-              <a:t>Technology  used</a:t>
-            </a:r>
-            <a:endParaRPr lang="en-US" sz="4400" dirty="0"/>
+              <a:t>Problem Statement</a:t>
+            </a:r>
+            <a:endParaRPr lang="en-US" sz="4400"/>
           </a:p>
         </p:txBody>
       </p:sp>
@@ -5057,7 +5441,7 @@
           <p:cNvPr id="2" name="Content Placeholder 1">
             <a:extLst>
               <a:ext uri="{FF2B5EF4-FFF2-40B4-BE49-F238E27FC236}">
-                <a16:creationId xmlns:a16="http://schemas.microsoft.com/office/drawing/2014/main" xmlns="" id="{E041FD9D-DF07-9C37-1E61-1D920E0EF1D4}"/>
+                <a16:creationId xmlns:a16="http://schemas.microsoft.com/office/drawing/2014/main" id="{D15D3D89-4729-3429-9FB9-00BC0243866B}"/>
               </a:ext>
             </a:extLst>
           </p:cNvPr>
@@ -5070,30 +5454,142 @@
         </p:nvSpPr>
         <p:spPr>
           <a:xfrm>
-            <a:off x="441671" y="1087378"/>
-            <a:ext cx="11613485" cy="5563973"/>
+            <a:off x="452403" y="1237632"/>
+            <a:ext cx="11029615" cy="4673324"/>
           </a:xfrm>
         </p:spPr>
         <p:txBody>
-          <a:bodyPr vert="horz" lIns="91440" tIns="45720" rIns="91440" bIns="45720" rtlCol="0" anchor="ctr">
+          <a:bodyPr>
             <a:noAutofit/>
           </a:bodyPr>
           <a:lstStyle/>
           <a:p>
+            <a:pPr>
+              <a:lnSpc>
+                <a:spcPts val="2625"/>
+              </a:lnSpc>
+            </a:pPr>
+            <a:r>
+              <a:rPr lang="nn-NO" sz="1400" b="0" dirty="0">
+                <a:solidFill>
+                  <a:schemeClr val="tx1"/>
+                </a:solidFill>
+                <a:effectLst/>
+                <a:latin typeface="Consolas" panose="020B0609020204030204" pitchFamily="49" charset="0"/>
+              </a:rPr>
+              <a:t>for i in range(255):</a:t>
+            </a:r>
+          </a:p>
+          <a:p>
+            <a:pPr>
+              <a:lnSpc>
+                <a:spcPts val="2625"/>
+              </a:lnSpc>
+            </a:pPr>
+            <a:r>
+              <a:rPr lang="nn-NO" sz="1400" b="0" dirty="0">
+                <a:solidFill>
+                  <a:schemeClr val="tx1"/>
+                </a:solidFill>
+                <a:effectLst/>
+                <a:latin typeface="Consolas" panose="020B0609020204030204" pitchFamily="49" charset="0"/>
+              </a:rPr>
+              <a:t>    d[chr(i)]=i</a:t>
+            </a:r>
+          </a:p>
+          <a:p>
+            <a:pPr>
+              <a:lnSpc>
+                <a:spcPts val="2625"/>
+              </a:lnSpc>
+            </a:pPr>
+            <a:r>
+              <a:rPr lang="nn-NO" sz="1400" b="0" dirty="0">
+                <a:solidFill>
+                  <a:schemeClr val="tx1"/>
+                </a:solidFill>
+                <a:effectLst/>
+                <a:latin typeface="Consolas" panose="020B0609020204030204" pitchFamily="49" charset="0"/>
+              </a:rPr>
+              <a:t>    c[i] = chr(i)</a:t>
+            </a:r>
+          </a:p>
+          <a:p>
+            <a:pPr>
+              <a:lnSpc>
+                <a:spcPts val="2625"/>
+              </a:lnSpc>
+            </a:pPr>
+            <a:br>
+              <a:rPr lang="nn-NO" sz="1400" b="0" dirty="0">
+                <a:solidFill>
+                  <a:schemeClr val="tx1"/>
+                </a:solidFill>
+                <a:effectLst/>
+                <a:latin typeface="Consolas" panose="020B0609020204030204" pitchFamily="49" charset="0"/>
+              </a:rPr>
+            </a:br>
+            <a:r>
+              <a:rPr lang="nn-NO" sz="1400" b="0" dirty="0">
+                <a:solidFill>
+                  <a:schemeClr val="tx1"/>
+                </a:solidFill>
+                <a:effectLst/>
+                <a:latin typeface="Consolas" panose="020B0609020204030204" pitchFamily="49" charset="0"/>
+              </a:rPr>
+              <a:t>m=0</a:t>
+            </a:r>
+          </a:p>
+          <a:p>
+            <a:pPr>
+              <a:lnSpc>
+                <a:spcPts val="2625"/>
+              </a:lnSpc>
+            </a:pPr>
+            <a:r>
+              <a:rPr lang="nn-NO" sz="1400" b="0" dirty="0">
+                <a:solidFill>
+                  <a:schemeClr val="tx1"/>
+                </a:solidFill>
+                <a:effectLst/>
+                <a:latin typeface="Consolas" panose="020B0609020204030204" pitchFamily="49" charset="0"/>
+              </a:rPr>
+              <a:t>n=0</a:t>
+            </a:r>
+          </a:p>
+          <a:p>
+            <a:pPr>
+              <a:lnSpc>
+                <a:spcPts val="2625"/>
+              </a:lnSpc>
+            </a:pPr>
+            <a:r>
+              <a:rPr lang="nn-NO" sz="1400" b="0" dirty="0">
+                <a:solidFill>
+                  <a:schemeClr val="tx1"/>
+                </a:solidFill>
+                <a:effectLst/>
+                <a:latin typeface="Consolas" panose="020B0609020204030204" pitchFamily="49" charset="0"/>
+              </a:rPr>
+              <a:t>z=0</a:t>
+            </a:r>
+          </a:p>
+          <a:p>
             <a:pPr marL="0" indent="0">
               <a:buNone/>
             </a:pPr>
-            <a:r>
-              <a:rPr lang="en-IN" dirty="0"/>
-              <a:t>Mention libraries, platforms, </a:t>
-            </a:r>
+            <a:endParaRPr lang="en-IN" sz="1400" dirty="0">
+              <a:solidFill>
+                <a:schemeClr val="tx1"/>
+              </a:solidFill>
+            </a:endParaRPr>
           </a:p>
         </p:txBody>
       </p:sp>
     </p:spTree>
     <p:extLst>
       <p:ext uri="{BB962C8B-B14F-4D97-AF65-F5344CB8AC3E}">
-        <p14:creationId xmlns:p14="http://schemas.microsoft.com/office/powerpoint/2010/main" val="3210358481"/>
+        <p14:creationId xmlns:p14="http://schemas.microsoft.com/office/powerpoint/2010/main" val="3695433011"/>
       </p:ext>
     </p:extLst>
   </p:cSld>
@@ -5108,7 +5604,13 @@
   <p:cSld>
     <p:spTree>
       <p:nvGrpSpPr>
-        <p:cNvPr id="1" name=""/>
+        <p:cNvPr id="1" name="">
+          <a:extLst>
+            <a:ext uri="{FF2B5EF4-FFF2-40B4-BE49-F238E27FC236}">
+              <a16:creationId xmlns:a16="http://schemas.microsoft.com/office/drawing/2014/main" id="{9F118E1C-7EF9-D85B-1DEC-3AE5C12276FE}"/>
+            </a:ext>
+          </a:extLst>
+        </p:cNvPr>
         <p:cNvGrpSpPr/>
         <p:nvPr/>
       </p:nvGrpSpPr>
@@ -5125,7 +5627,7 @@
           <p:cNvPr id="5" name="Title 4">
             <a:extLst>
               <a:ext uri="{FF2B5EF4-FFF2-40B4-BE49-F238E27FC236}">
-                <a16:creationId xmlns:a16="http://schemas.microsoft.com/office/drawing/2014/main" xmlns="" id="{8FBA75B4-2DD5-42EB-9397-F36BFB8BA723}"/>
+                <a16:creationId xmlns:a16="http://schemas.microsoft.com/office/drawing/2014/main" id="{E1A55F53-434A-C0AF-69FF-2018C0B8FFD0}"/>
               </a:ext>
             </a:extLst>
           </p:cNvPr>
@@ -5136,10 +5638,47 @@
             <p:ph type="title"/>
           </p:nvPr>
         </p:nvSpPr>
+        <p:spPr/>
+        <p:txBody>
+          <a:bodyPr>
+            <a:normAutofit fontScale="90000"/>
+          </a:bodyPr>
+          <a:lstStyle/>
+          <a:p>
+            <a:r>
+              <a:rPr lang="en-US" sz="4400" b="1">
+                <a:solidFill>
+                  <a:schemeClr val="accent1"/>
+                </a:solidFill>
+                <a:latin typeface="Arial" panose="020B0604020202020204" pitchFamily="34" charset="0"/>
+                <a:cs typeface="Arial" panose="020B0604020202020204" pitchFamily="34" charset="0"/>
+              </a:rPr>
+              <a:t>Problem Statement</a:t>
+            </a:r>
+            <a:endParaRPr lang="en-US" sz="4400"/>
+          </a:p>
+        </p:txBody>
+      </p:sp>
+      <p:sp>
+        <p:nvSpPr>
+          <p:cNvPr id="2" name="Content Placeholder 1">
+            <a:extLst>
+              <a:ext uri="{FF2B5EF4-FFF2-40B4-BE49-F238E27FC236}">
+                <a16:creationId xmlns:a16="http://schemas.microsoft.com/office/drawing/2014/main" id="{7B525AA6-8EDE-C295-7531-9ECE93F04034}"/>
+              </a:ext>
+            </a:extLst>
+          </p:cNvPr>
+          <p:cNvSpPr>
+            <a:spLocks noGrp="1"/>
+          </p:cNvSpPr>
+          <p:nvPr>
+            <p:ph idx="1"/>
+          </p:nvPr>
+        </p:nvSpPr>
         <p:spPr>
           <a:xfrm>
-            <a:off x="581191" y="771730"/>
-            <a:ext cx="11029616" cy="530296"/>
+            <a:off x="452403" y="3429000"/>
+            <a:ext cx="11029615" cy="2481956"/>
           </a:xfrm>
         </p:spPr>
         <p:txBody>
@@ -5148,66 +5687,423 @@
           </a:bodyPr>
           <a:lstStyle/>
           <a:p>
-            <a:r>
-              <a:rPr lang="en-US" sz="3200" b="1" dirty="0">
-                <a:solidFill>
-                  <a:schemeClr val="accent1"/>
-                </a:solidFill>
-                <a:latin typeface="Arial"/>
-                <a:ea typeface="+mj-lt"/>
-                <a:cs typeface="Arial"/>
-              </a:rPr>
-              <a:t>Wow factors</a:t>
-            </a:r>
-            <a:endParaRPr lang="en-US" sz="3200" dirty="0">
-              <a:solidFill>
-                <a:schemeClr val="accent1"/>
-              </a:solidFill>
-              <a:latin typeface="Calibri Light"/>
-              <a:cs typeface="Calibri Light"/>
-            </a:endParaRPr>
-          </a:p>
-        </p:txBody>
-      </p:sp>
-      <p:sp>
-        <p:nvSpPr>
-          <p:cNvPr id="2" name="Content Placeholder 1">
-            <a:extLst>
-              <a:ext uri="{FF2B5EF4-FFF2-40B4-BE49-F238E27FC236}">
-                <a16:creationId xmlns:a16="http://schemas.microsoft.com/office/drawing/2014/main" xmlns="" id="{C4FFAF3C-BA60-9181-132C-C36C403AAEA7}"/>
-              </a:ext>
-            </a:extLst>
-          </p:cNvPr>
-          <p:cNvSpPr>
-            <a:spLocks noGrp="1"/>
-          </p:cNvSpPr>
-          <p:nvPr>
-            <p:ph idx="1"/>
-          </p:nvPr>
-        </p:nvSpPr>
-        <p:spPr/>
-        <p:txBody>
-          <a:bodyPr/>
-          <a:lstStyle/>
+            <a:pPr>
+              <a:lnSpc>
+                <a:spcPts val="2625"/>
+              </a:lnSpc>
+            </a:pPr>
+            <a:r>
+              <a:rPr lang="en-IN" sz="2400" b="0" dirty="0">
+                <a:solidFill>
+                  <a:schemeClr val="tx1"/>
+                </a:solidFill>
+                <a:effectLst/>
+                <a:latin typeface="Consolas" panose="020B0609020204030204" pitchFamily="49" charset="0"/>
+              </a:rPr>
+              <a:t>for </a:t>
+            </a:r>
+            <a:r>
+              <a:rPr lang="en-IN" sz="2400" b="0" dirty="0" err="1">
+                <a:solidFill>
+                  <a:schemeClr val="tx1"/>
+                </a:solidFill>
+                <a:effectLst/>
+                <a:latin typeface="Consolas" panose="020B0609020204030204" pitchFamily="49" charset="0"/>
+              </a:rPr>
+              <a:t>i</a:t>
+            </a:r>
+            <a:r>
+              <a:rPr lang="en-IN" sz="2400" b="0" dirty="0">
+                <a:solidFill>
+                  <a:schemeClr val="tx1"/>
+                </a:solidFill>
+                <a:effectLst/>
+                <a:latin typeface="Consolas" panose="020B0609020204030204" pitchFamily="49" charset="0"/>
+              </a:rPr>
+              <a:t> in range(</a:t>
+            </a:r>
+            <a:r>
+              <a:rPr lang="en-IN" sz="2400" b="0" dirty="0" err="1">
+                <a:solidFill>
+                  <a:schemeClr val="tx1"/>
+                </a:solidFill>
+                <a:effectLst/>
+                <a:latin typeface="Consolas" panose="020B0609020204030204" pitchFamily="49" charset="0"/>
+              </a:rPr>
+              <a:t>len</a:t>
+            </a:r>
+            <a:r>
+              <a:rPr lang="en-IN" sz="2400" b="0" dirty="0">
+                <a:solidFill>
+                  <a:schemeClr val="tx1"/>
+                </a:solidFill>
+                <a:effectLst/>
+                <a:latin typeface="Consolas" panose="020B0609020204030204" pitchFamily="49" charset="0"/>
+              </a:rPr>
+              <a:t>(</a:t>
+            </a:r>
+            <a:r>
+              <a:rPr lang="en-IN" sz="2400" b="0" dirty="0" err="1">
+                <a:solidFill>
+                  <a:schemeClr val="tx1"/>
+                </a:solidFill>
+                <a:effectLst/>
+                <a:latin typeface="Consolas" panose="020B0609020204030204" pitchFamily="49" charset="0"/>
+              </a:rPr>
+              <a:t>msg</a:t>
+            </a:r>
+            <a:r>
+              <a:rPr lang="en-IN" sz="2400" b="0" dirty="0">
+                <a:solidFill>
+                  <a:schemeClr val="tx1"/>
+                </a:solidFill>
+                <a:effectLst/>
+                <a:latin typeface="Consolas" panose="020B0609020204030204" pitchFamily="49" charset="0"/>
+              </a:rPr>
+              <a:t>)):</a:t>
+            </a:r>
+          </a:p>
+          <a:p>
+            <a:pPr>
+              <a:lnSpc>
+                <a:spcPts val="2625"/>
+              </a:lnSpc>
+            </a:pPr>
+            <a:r>
+              <a:rPr lang="en-IN" sz="2400" b="0" dirty="0">
+                <a:solidFill>
+                  <a:schemeClr val="tx1"/>
+                </a:solidFill>
+                <a:effectLst/>
+                <a:latin typeface="Consolas" panose="020B0609020204030204" pitchFamily="49" charset="0"/>
+              </a:rPr>
+              <a:t>    </a:t>
+            </a:r>
+            <a:r>
+              <a:rPr lang="en-IN" sz="2400" b="0" dirty="0" err="1">
+                <a:solidFill>
+                  <a:schemeClr val="tx1"/>
+                </a:solidFill>
+                <a:effectLst/>
+                <a:latin typeface="Consolas" panose="020B0609020204030204" pitchFamily="49" charset="0"/>
+              </a:rPr>
+              <a:t>img</a:t>
+            </a:r>
+            <a:r>
+              <a:rPr lang="en-IN" sz="2400" b="0" dirty="0">
+                <a:solidFill>
+                  <a:schemeClr val="tx1"/>
+                </a:solidFill>
+                <a:effectLst/>
+                <a:latin typeface="Consolas" panose="020B0609020204030204" pitchFamily="49" charset="0"/>
+              </a:rPr>
+              <a:t>[</a:t>
+            </a:r>
+            <a:r>
+              <a:rPr lang="en-IN" sz="2400" b="0" dirty="0" err="1">
+                <a:solidFill>
+                  <a:schemeClr val="tx1"/>
+                </a:solidFill>
+                <a:effectLst/>
+                <a:latin typeface="Consolas" panose="020B0609020204030204" pitchFamily="49" charset="0"/>
+              </a:rPr>
+              <a:t>n,m,z</a:t>
+            </a:r>
+            <a:r>
+              <a:rPr lang="en-IN" sz="2400" b="0" dirty="0">
+                <a:solidFill>
+                  <a:schemeClr val="tx1"/>
+                </a:solidFill>
+                <a:effectLst/>
+                <a:latin typeface="Consolas" panose="020B0609020204030204" pitchFamily="49" charset="0"/>
+              </a:rPr>
+              <a:t>] = d[</a:t>
+            </a:r>
+            <a:r>
+              <a:rPr lang="en-IN" sz="2400" b="0" dirty="0" err="1">
+                <a:solidFill>
+                  <a:schemeClr val="tx1"/>
+                </a:solidFill>
+                <a:effectLst/>
+                <a:latin typeface="Consolas" panose="020B0609020204030204" pitchFamily="49" charset="0"/>
+              </a:rPr>
+              <a:t>msg</a:t>
+            </a:r>
+            <a:r>
+              <a:rPr lang="en-IN" sz="2400" b="0" dirty="0">
+                <a:solidFill>
+                  <a:schemeClr val="tx1"/>
+                </a:solidFill>
+                <a:effectLst/>
+                <a:latin typeface="Consolas" panose="020B0609020204030204" pitchFamily="49" charset="0"/>
+              </a:rPr>
+              <a:t>[</a:t>
+            </a:r>
+            <a:r>
+              <a:rPr lang="en-IN" sz="2400" b="0" dirty="0" err="1">
+                <a:solidFill>
+                  <a:schemeClr val="tx1"/>
+                </a:solidFill>
+                <a:effectLst/>
+                <a:latin typeface="Consolas" panose="020B0609020204030204" pitchFamily="49" charset="0"/>
+              </a:rPr>
+              <a:t>i</a:t>
+            </a:r>
+            <a:r>
+              <a:rPr lang="en-IN" sz="2400" b="0" dirty="0">
+                <a:solidFill>
+                  <a:schemeClr val="tx1"/>
+                </a:solidFill>
+                <a:effectLst/>
+                <a:latin typeface="Consolas" panose="020B0609020204030204" pitchFamily="49" charset="0"/>
+              </a:rPr>
+              <a:t>]]</a:t>
+            </a:r>
+          </a:p>
+          <a:p>
+            <a:pPr>
+              <a:lnSpc>
+                <a:spcPts val="2625"/>
+              </a:lnSpc>
+            </a:pPr>
+            <a:r>
+              <a:rPr lang="en-IN" sz="2400" b="0" dirty="0">
+                <a:solidFill>
+                  <a:schemeClr val="tx1"/>
+                </a:solidFill>
+                <a:effectLst/>
+                <a:latin typeface="Consolas" panose="020B0609020204030204" pitchFamily="49" charset="0"/>
+              </a:rPr>
+              <a:t>    n=n+1</a:t>
+            </a:r>
+          </a:p>
+          <a:p>
+            <a:pPr>
+              <a:lnSpc>
+                <a:spcPts val="2625"/>
+              </a:lnSpc>
+            </a:pPr>
+            <a:r>
+              <a:rPr lang="en-IN" sz="2400" b="0" dirty="0">
+                <a:solidFill>
+                  <a:schemeClr val="tx1"/>
+                </a:solidFill>
+                <a:effectLst/>
+                <a:latin typeface="Consolas" panose="020B0609020204030204" pitchFamily="49" charset="0"/>
+              </a:rPr>
+              <a:t>    m=m+1</a:t>
+            </a:r>
+          </a:p>
+          <a:p>
+            <a:pPr>
+              <a:lnSpc>
+                <a:spcPts val="2625"/>
+              </a:lnSpc>
+            </a:pPr>
+            <a:r>
+              <a:rPr lang="en-IN" sz="2400" b="0" dirty="0">
+                <a:solidFill>
+                  <a:schemeClr val="tx1"/>
+                </a:solidFill>
+                <a:effectLst/>
+                <a:latin typeface="Consolas" panose="020B0609020204030204" pitchFamily="49" charset="0"/>
+              </a:rPr>
+              <a:t>    z=(z+1)%3</a:t>
+            </a:r>
+          </a:p>
+          <a:p>
+            <a:pPr>
+              <a:lnSpc>
+                <a:spcPts val="2625"/>
+              </a:lnSpc>
+            </a:pPr>
+            <a:br>
+              <a:rPr lang="en-IN" sz="2400" b="0" dirty="0">
+                <a:solidFill>
+                  <a:schemeClr val="tx1"/>
+                </a:solidFill>
+                <a:effectLst/>
+                <a:latin typeface="Consolas" panose="020B0609020204030204" pitchFamily="49" charset="0"/>
+              </a:rPr>
+            </a:br>
+            <a:r>
+              <a:rPr lang="en-IN" sz="2400" b="0" dirty="0">
+                <a:solidFill>
+                  <a:schemeClr val="tx1"/>
+                </a:solidFill>
+                <a:effectLst/>
+                <a:latin typeface="Consolas" panose="020B0609020204030204" pitchFamily="49" charset="0"/>
+              </a:rPr>
+              <a:t>cv2.imwrite("Encryptedmsg.jpg",</a:t>
+            </a:r>
+            <a:r>
+              <a:rPr lang="en-IN" sz="2400" b="0" dirty="0" err="1">
+                <a:solidFill>
+                  <a:schemeClr val="tx1"/>
+                </a:solidFill>
+                <a:effectLst/>
+                <a:latin typeface="Consolas" panose="020B0609020204030204" pitchFamily="49" charset="0"/>
+              </a:rPr>
+              <a:t>img</a:t>
+            </a:r>
+            <a:r>
+              <a:rPr lang="en-IN" sz="2400" b="0" dirty="0">
+                <a:solidFill>
+                  <a:schemeClr val="tx1"/>
+                </a:solidFill>
+                <a:effectLst/>
+                <a:latin typeface="Consolas" panose="020B0609020204030204" pitchFamily="49" charset="0"/>
+              </a:rPr>
+              <a:t>)</a:t>
+            </a:r>
+          </a:p>
+          <a:p>
+            <a:pPr>
+              <a:lnSpc>
+                <a:spcPts val="2625"/>
+              </a:lnSpc>
+            </a:pPr>
+            <a:br>
+              <a:rPr lang="en-IN" sz="2400" b="0" dirty="0">
+                <a:solidFill>
+                  <a:schemeClr val="tx1"/>
+                </a:solidFill>
+                <a:effectLst/>
+                <a:latin typeface="Consolas" panose="020B0609020204030204" pitchFamily="49" charset="0"/>
+              </a:rPr>
+            </a:br>
+            <a:r>
+              <a:rPr lang="en-IN" sz="2400" b="0" dirty="0" err="1">
+                <a:solidFill>
+                  <a:schemeClr val="tx1"/>
+                </a:solidFill>
+                <a:effectLst/>
+                <a:latin typeface="Consolas" panose="020B0609020204030204" pitchFamily="49" charset="0"/>
+              </a:rPr>
+              <a:t>os.system</a:t>
+            </a:r>
+            <a:r>
+              <a:rPr lang="en-IN" sz="2400" b="0" dirty="0">
+                <a:solidFill>
+                  <a:schemeClr val="tx1"/>
+                </a:solidFill>
+                <a:effectLst/>
+                <a:latin typeface="Consolas" panose="020B0609020204030204" pitchFamily="49" charset="0"/>
+              </a:rPr>
+              <a:t>("start Encryptedmsg.jpg")</a:t>
+            </a:r>
+          </a:p>
+          <a:p>
+            <a:pPr>
+              <a:lnSpc>
+                <a:spcPts val="2625"/>
+              </a:lnSpc>
+            </a:pPr>
+            <a:br>
+              <a:rPr lang="en-IN" sz="2400" b="0" dirty="0">
+                <a:solidFill>
+                  <a:schemeClr val="tx1"/>
+                </a:solidFill>
+                <a:effectLst/>
+                <a:latin typeface="Consolas" panose="020B0609020204030204" pitchFamily="49" charset="0"/>
+              </a:rPr>
+            </a:br>
+            <a:br>
+              <a:rPr lang="en-IN" sz="2400" b="0" dirty="0">
+                <a:solidFill>
+                  <a:schemeClr val="tx1"/>
+                </a:solidFill>
+                <a:effectLst/>
+                <a:latin typeface="Consolas" panose="020B0609020204030204" pitchFamily="49" charset="0"/>
+              </a:rPr>
+            </a:br>
+            <a:r>
+              <a:rPr lang="en-IN" sz="2400" b="0" dirty="0">
+                <a:solidFill>
+                  <a:schemeClr val="tx1"/>
+                </a:solidFill>
+                <a:effectLst/>
+                <a:latin typeface="Consolas" panose="020B0609020204030204" pitchFamily="49" charset="0"/>
+              </a:rPr>
+              <a:t>message =""</a:t>
+            </a:r>
+          </a:p>
+          <a:p>
+            <a:pPr>
+              <a:lnSpc>
+                <a:spcPts val="2625"/>
+              </a:lnSpc>
+            </a:pPr>
+            <a:br>
+              <a:rPr lang="en-IN" sz="2400" b="0" dirty="0">
+                <a:solidFill>
+                  <a:schemeClr val="tx1"/>
+                </a:solidFill>
+                <a:effectLst/>
+                <a:latin typeface="Consolas" panose="020B0609020204030204" pitchFamily="49" charset="0"/>
+              </a:rPr>
+            </a:br>
+            <a:r>
+              <a:rPr lang="en-IN" sz="2400" b="0" dirty="0">
+                <a:solidFill>
+                  <a:schemeClr val="tx1"/>
+                </a:solidFill>
+                <a:effectLst/>
+                <a:latin typeface="Consolas" panose="020B0609020204030204" pitchFamily="49" charset="0"/>
+              </a:rPr>
+              <a:t>n=0</a:t>
+            </a:r>
+          </a:p>
+          <a:p>
+            <a:pPr>
+              <a:lnSpc>
+                <a:spcPts val="2625"/>
+              </a:lnSpc>
+            </a:pPr>
+            <a:r>
+              <a:rPr lang="en-IN" sz="2400" b="0" dirty="0">
+                <a:solidFill>
+                  <a:schemeClr val="tx1"/>
+                </a:solidFill>
+                <a:effectLst/>
+                <a:latin typeface="Consolas" panose="020B0609020204030204" pitchFamily="49" charset="0"/>
+              </a:rPr>
+              <a:t>m=0</a:t>
+            </a:r>
+          </a:p>
+          <a:p>
+            <a:pPr>
+              <a:lnSpc>
+                <a:spcPts val="2625"/>
+              </a:lnSpc>
+            </a:pPr>
+            <a:r>
+              <a:rPr lang="en-IN" sz="2400" b="0" dirty="0">
+                <a:solidFill>
+                  <a:schemeClr val="tx1"/>
+                </a:solidFill>
+                <a:effectLst/>
+                <a:latin typeface="Consolas" panose="020B0609020204030204" pitchFamily="49" charset="0"/>
+              </a:rPr>
+              <a:t>z=0</a:t>
+            </a:r>
+          </a:p>
           <a:p>
             <a:pPr marL="0" indent="0">
               <a:buNone/>
             </a:pPr>
-            <a:r>
-              <a:rPr lang="en-IN" sz="1800" b="1" dirty="0">
-                <a:solidFill>
-                  <a:srgbClr val="0F0F0F"/>
-                </a:solidFill>
-              </a:rPr>
-              <a:t>What makes this project stand out from other project(Unique features)</a:t>
-            </a:r>
+            <a:endParaRPr lang="en-IN" sz="2400" dirty="0">
+              <a:solidFill>
+                <a:schemeClr val="tx1"/>
+              </a:solidFill>
+            </a:endParaRPr>
           </a:p>
         </p:txBody>
       </p:sp>
     </p:spTree>
     <p:extLst>
       <p:ext uri="{BB962C8B-B14F-4D97-AF65-F5344CB8AC3E}">
-        <p14:creationId xmlns:p14="http://schemas.microsoft.com/office/powerpoint/2010/main" val="3202024527"/>
+        <p14:creationId xmlns:p14="http://schemas.microsoft.com/office/powerpoint/2010/main" val="4064239843"/>
       </p:ext>
     </p:extLst>
   </p:cSld>
@@ -5236,10 +6132,10 @@
       </p:grpSpPr>
       <p:sp>
         <p:nvSpPr>
-          <p:cNvPr id="2" name="Title 1">
+          <p:cNvPr id="5" name="Title 4">
             <a:extLst>
               <a:ext uri="{FF2B5EF4-FFF2-40B4-BE49-F238E27FC236}">
-                <a16:creationId xmlns:a16="http://schemas.microsoft.com/office/drawing/2014/main" xmlns="" id="{5F45986D-DBC5-8220-FE6F-7F2ABC7C4CEE}"/>
+                <a16:creationId xmlns:a16="http://schemas.microsoft.com/office/drawing/2014/main" id="{8FBA75B4-2DD5-42EB-9397-F36BFB8BA723}"/>
               </a:ext>
             </a:extLst>
           </p:cNvPr>
@@ -5252,26 +6148,31 @@
         </p:nvSpPr>
         <p:spPr/>
         <p:txBody>
-          <a:bodyPr/>
+          <a:bodyPr>
+            <a:normAutofit fontScale="90000"/>
+          </a:bodyPr>
           <a:lstStyle/>
           <a:p>
             <a:r>
-              <a:rPr lang="en-IN" dirty="0">
+              <a:rPr lang="en-US" sz="4400" b="1" dirty="0">
                 <a:solidFill>
                   <a:schemeClr val="accent1"/>
                 </a:solidFill>
-              </a:rPr>
-              <a:t>End users</a:t>
-            </a:r>
-          </a:p>
-        </p:txBody>
-      </p:sp>
-      <p:sp>
-        <p:nvSpPr>
-          <p:cNvPr id="3" name="Content Placeholder 2">
+                <a:latin typeface="Arial" panose="020B0604020202020204" pitchFamily="34" charset="0"/>
+                <a:cs typeface="Arial" panose="020B0604020202020204" pitchFamily="34" charset="0"/>
+              </a:rPr>
+              <a:t>Technology  used</a:t>
+            </a:r>
+            <a:endParaRPr lang="en-US" sz="4400" dirty="0"/>
+          </a:p>
+        </p:txBody>
+      </p:sp>
+      <p:sp>
+        <p:nvSpPr>
+          <p:cNvPr id="2" name="Content Placeholder 1">
             <a:extLst>
               <a:ext uri="{FF2B5EF4-FFF2-40B4-BE49-F238E27FC236}">
-                <a16:creationId xmlns:a16="http://schemas.microsoft.com/office/drawing/2014/main" xmlns="" id="{AB679E23-F86A-AFA9-FE9C-7F5A518E8198}"/>
+                <a16:creationId xmlns:a16="http://schemas.microsoft.com/office/drawing/2014/main" id="{E041FD9D-DF07-9C37-1E61-1D920E0EF1D4}"/>
               </a:ext>
             </a:extLst>
           </p:cNvPr>
@@ -5282,14 +6183,24 @@
             <p:ph idx="1"/>
           </p:nvPr>
         </p:nvSpPr>
-        <p:spPr/>
-        <p:txBody>
-          <a:bodyPr/>
+        <p:spPr>
+          <a:xfrm>
+            <a:off x="441671" y="1087378"/>
+            <a:ext cx="11613485" cy="5563973"/>
+          </a:xfrm>
+        </p:spPr>
+        <p:txBody>
+          <a:bodyPr vert="horz" lIns="91440" tIns="45720" rIns="91440" bIns="45720" rtlCol="0" anchor="ctr">
+            <a:noAutofit/>
+          </a:bodyPr>
           <a:lstStyle/>
           <a:p>
+            <a:pPr marL="0" indent="0">
+              <a:buNone/>
+            </a:pPr>
             <a:r>
               <a:rPr lang="en-IN" dirty="0"/>
-              <a:t>Who are the end users</a:t>
+              <a:t>Mention libraries, platforms, </a:t>
             </a:r>
           </a:p>
         </p:txBody>
@@ -5297,7 +6208,7 @@
     </p:spTree>
     <p:extLst>
       <p:ext uri="{BB962C8B-B14F-4D97-AF65-F5344CB8AC3E}">
-        <p14:creationId xmlns:p14="http://schemas.microsoft.com/office/powerpoint/2010/main" val="3819043843"/>
+        <p14:creationId xmlns:p14="http://schemas.microsoft.com/office/powerpoint/2010/main" val="3210358481"/>
       </p:ext>
     </p:extLst>
   </p:cSld>
@@ -5326,10 +6237,10 @@
       </p:grpSpPr>
       <p:sp>
         <p:nvSpPr>
-          <p:cNvPr id="2" name="Title 1">
+          <p:cNvPr id="5" name="Title 4">
             <a:extLst>
               <a:ext uri="{FF2B5EF4-FFF2-40B4-BE49-F238E27FC236}">
-                <a16:creationId xmlns:a16="http://schemas.microsoft.com/office/drawing/2014/main" xmlns="" id="{A4F8070C-FF0D-BBE3-3D8A-C3794CCCE8A2}"/>
+                <a16:creationId xmlns:a16="http://schemas.microsoft.com/office/drawing/2014/main" id="{8FBA75B4-2DD5-42EB-9397-F36BFB8BA723}"/>
               </a:ext>
             </a:extLst>
           </p:cNvPr>
@@ -5340,28 +6251,45 @@
             <p:ph type="title"/>
           </p:nvPr>
         </p:nvSpPr>
-        <p:spPr/>
-        <p:txBody>
-          <a:bodyPr/>
+        <p:spPr>
+          <a:xfrm>
+            <a:off x="581191" y="771730"/>
+            <a:ext cx="11029616" cy="530296"/>
+          </a:xfrm>
+        </p:spPr>
+        <p:txBody>
+          <a:bodyPr>
+            <a:noAutofit/>
+          </a:bodyPr>
           <a:lstStyle/>
           <a:p>
             <a:r>
-              <a:rPr lang="en-IN" dirty="0">
+              <a:rPr lang="en-US" sz="3200" b="1" dirty="0">
                 <a:solidFill>
                   <a:schemeClr val="accent1"/>
                 </a:solidFill>
-              </a:rPr>
-              <a:t>Results</a:t>
-            </a:r>
-          </a:p>
-        </p:txBody>
-      </p:sp>
-      <p:sp>
-        <p:nvSpPr>
-          <p:cNvPr id="3" name="Content Placeholder 2">
+                <a:latin typeface="Arial"/>
+                <a:ea typeface="+mj-lt"/>
+                <a:cs typeface="Arial"/>
+              </a:rPr>
+              <a:t>Wow factors</a:t>
+            </a:r>
+            <a:endParaRPr lang="en-US" sz="3200" dirty="0">
+              <a:solidFill>
+                <a:schemeClr val="accent1"/>
+              </a:solidFill>
+              <a:latin typeface="Calibri Light"/>
+              <a:cs typeface="Calibri Light"/>
+            </a:endParaRPr>
+          </a:p>
+        </p:txBody>
+      </p:sp>
+      <p:sp>
+        <p:nvSpPr>
+          <p:cNvPr id="2" name="Content Placeholder 1">
             <a:extLst>
               <a:ext uri="{FF2B5EF4-FFF2-40B4-BE49-F238E27FC236}">
-                <a16:creationId xmlns:a16="http://schemas.microsoft.com/office/drawing/2014/main" xmlns="" id="{805D7125-AC62-752D-6E68-9EB88BCC631C}"/>
+                <a16:creationId xmlns:a16="http://schemas.microsoft.com/office/drawing/2014/main" id="{C4FFAF3C-BA60-9181-132C-C36C403AAEA7}"/>
               </a:ext>
             </a:extLst>
           </p:cNvPr>
@@ -5377,9 +6305,16 @@
           <a:bodyPr/>
           <a:lstStyle/>
           <a:p>
-            <a:r>
-              <a:rPr lang="en-IN" dirty="0"/>
-              <a:t>Screenshots of the outcome (min 3)</a:t>
+            <a:pPr marL="0" indent="0">
+              <a:buNone/>
+            </a:pPr>
+            <a:r>
+              <a:rPr lang="en-IN" sz="1800" b="1" dirty="0">
+                <a:solidFill>
+                  <a:srgbClr val="0F0F0F"/>
+                </a:solidFill>
+              </a:rPr>
+              <a:t>What makes this project stand out from other project(Unique features)</a:t>
             </a:r>
           </a:p>
         </p:txBody>
@@ -5387,7 +6322,7 @@
     </p:spTree>
     <p:extLst>
       <p:ext uri="{BB962C8B-B14F-4D97-AF65-F5344CB8AC3E}">
-        <p14:creationId xmlns:p14="http://schemas.microsoft.com/office/powerpoint/2010/main" val="2083715239"/>
+        <p14:creationId xmlns:p14="http://schemas.microsoft.com/office/powerpoint/2010/main" val="3202024527"/>
       </p:ext>
     </p:extLst>
   </p:cSld>
@@ -5419,7 +6354,7 @@
           <p:cNvPr id="2" name="Title 1">
             <a:extLst>
               <a:ext uri="{FF2B5EF4-FFF2-40B4-BE49-F238E27FC236}">
-                <a16:creationId xmlns:a16="http://schemas.microsoft.com/office/drawing/2014/main" xmlns="" id="{FA4C6B3D-1072-C2D2-EBFE-E33CABE394D1}"/>
+                <a16:creationId xmlns:a16="http://schemas.microsoft.com/office/drawing/2014/main" id="{5F45986D-DBC5-8220-FE6F-7F2ABC7C4CEE}"/>
               </a:ext>
             </a:extLst>
           </p:cNvPr>
@@ -5441,7 +6376,7 @@
                   <a:schemeClr val="accent1"/>
                 </a:solidFill>
               </a:rPr>
-              <a:t>Conclusion</a:t>
+              <a:t>End users</a:t>
             </a:r>
           </a:p>
         </p:txBody>
@@ -5451,7 +6386,7 @@
           <p:cNvPr id="3" name="Content Placeholder 2">
             <a:extLst>
               <a:ext uri="{FF2B5EF4-FFF2-40B4-BE49-F238E27FC236}">
-                <a16:creationId xmlns:a16="http://schemas.microsoft.com/office/drawing/2014/main" xmlns="" id="{D4974547-DF1B-77BB-E545-9344EDB9AD3F}"/>
+                <a16:creationId xmlns:a16="http://schemas.microsoft.com/office/drawing/2014/main" id="{AB679E23-F86A-AFA9-FE9C-7F5A518E8198}"/>
               </a:ext>
             </a:extLst>
           </p:cNvPr>
@@ -5469,7 +6404,7 @@
           <a:p>
             <a:r>
               <a:rPr lang="en-IN" dirty="0"/>
-              <a:t>Conclude your project concerning your problem statement</a:t>
+              <a:t>Who are the end users</a:t>
             </a:r>
           </a:p>
         </p:txBody>
@@ -5477,7 +6412,7 @@
     </p:spTree>
     <p:extLst>
       <p:ext uri="{BB962C8B-B14F-4D97-AF65-F5344CB8AC3E}">
-        <p14:creationId xmlns:p14="http://schemas.microsoft.com/office/powerpoint/2010/main" val="4233882376"/>
+        <p14:creationId xmlns:p14="http://schemas.microsoft.com/office/powerpoint/2010/main" val="3819043843"/>
       </p:ext>
     </p:extLst>
   </p:cSld>
@@ -5509,7 +6444,7 @@
           <p:cNvPr id="2" name="Title 1">
             <a:extLst>
               <a:ext uri="{FF2B5EF4-FFF2-40B4-BE49-F238E27FC236}">
-                <a16:creationId xmlns:a16="http://schemas.microsoft.com/office/drawing/2014/main" xmlns="" id="{48E9F08C-D61F-627D-C4E5-397E3E84FC45}"/>
+                <a16:creationId xmlns:a16="http://schemas.microsoft.com/office/drawing/2014/main" id="{A4F8070C-FF0D-BBE3-3D8A-C3794CCCE8A2}"/>
               </a:ext>
             </a:extLst>
           </p:cNvPr>
@@ -5531,7 +6466,7 @@
                   <a:schemeClr val="accent1"/>
                 </a:solidFill>
               </a:rPr>
-              <a:t>GitHub Link</a:t>
+              <a:t>Results</a:t>
             </a:r>
           </a:p>
         </p:txBody>
@@ -5541,7 +6476,7 @@
           <p:cNvPr id="3" name="Content Placeholder 2">
             <a:extLst>
               <a:ext uri="{FF2B5EF4-FFF2-40B4-BE49-F238E27FC236}">
-                <a16:creationId xmlns:a16="http://schemas.microsoft.com/office/drawing/2014/main" xmlns="" id="{51A299DD-46FA-7866-41D8-C1BFCC2F69DD}"/>
+                <a16:creationId xmlns:a16="http://schemas.microsoft.com/office/drawing/2014/main" id="{805D7125-AC62-752D-6E68-9EB88BCC631C}"/>
               </a:ext>
             </a:extLst>
           </p:cNvPr>
@@ -5559,7 +6494,7 @@
           <a:p>
             <a:r>
               <a:rPr lang="en-IN" dirty="0"/>
-              <a:t>Make sure that there should be readme file</a:t>
+              <a:t>Screenshots of the outcome (min 3)</a:t>
             </a:r>
           </a:p>
         </p:txBody>
@@ -5567,7 +6502,7 @@
     </p:spTree>
     <p:extLst>
       <p:ext uri="{BB962C8B-B14F-4D97-AF65-F5344CB8AC3E}">
-        <p14:creationId xmlns:p14="http://schemas.microsoft.com/office/powerpoint/2010/main" val="2230664768"/>
+        <p14:creationId xmlns:p14="http://schemas.microsoft.com/office/powerpoint/2010/main" val="2083715239"/>
       </p:ext>
     </p:extLst>
   </p:cSld>
@@ -5840,7 +6775,7 @@
   <a:extraClrSchemeLst/>
   <a:extLst>
     <a:ext uri="{05A4C25C-085E-4340-85A3-A5531E510DB2}">
-      <thm15:themeFamily xmlns:thm15="http://schemas.microsoft.com/office/thememl/2012/main" xmlns="" name="DividendVTI" id="{97558BDE-0B66-457C-BB6F-7B1B22DAA9B8}" vid="{F53508A3-AC60-448A-AF37-934D5F1A0D5E}"/>
+      <thm15:themeFamily xmlns:thm15="http://schemas.microsoft.com/office/thememl/2012/main" name="DividendVTI" id="{97558BDE-0B66-457C-BB6F-7B1B22DAA9B8}" vid="{F53508A3-AC60-448A-AF37-934D5F1A0D5E}"/>
     </a:ext>
   </a:extLst>
 </a:theme>
@@ -6135,13 +7070,22 @@
   <a:extraClrSchemeLst/>
   <a:extLst>
     <a:ext uri="{05A4C25C-085E-4340-85A3-A5531E510DB2}">
-      <thm15:themeFamily xmlns:thm15="http://schemas.microsoft.com/office/thememl/2012/main" xmlns="" name="Office Theme" id="{62F939B6-93AF-4DB8-9C6B-D6C7DFDC589F}" vid="{4A3C46E8-61CC-4603-A589-7422A47A8E4A}"/>
+      <thm15:themeFamily xmlns:thm15="http://schemas.microsoft.com/office/thememl/2012/main" name="Office Theme" id="{62F939B6-93AF-4DB8-9C6B-D6C7DFDC589F}" vid="{4A3C46E8-61CC-4603-A589-7422A47A8E4A}"/>
     </a:ext>
   </a:extLst>
 </a:theme>
 </file>
 
 <file path=customXml/item1.xml><?xml version="1.0" encoding="utf-8"?>
+<?mso-contentType ?>
+<FormTemplates xmlns="http://schemas.microsoft.com/sharepoint/v3/contenttype/forms">
+  <Display>DocumentLibraryForm</Display>
+  <Edit>DocumentLibraryForm</Edit>
+  <New>DocumentLibraryForm</New>
+</FormTemplates>
+</file>
+
+<file path=customXml/item2.xml><?xml version="1.0" encoding="utf-8"?>
 <ct:contentTypeSchema xmlns:ct="http://schemas.microsoft.com/office/2006/metadata/contentType" xmlns:ma="http://schemas.microsoft.com/office/2006/metadata/properties/metaAttributes" ct:_="" ma:_="" ma:contentTypeName="Document" ma:contentTypeID="0x0101007F0268AC5E70984D8FE60B7154176407" ma:contentTypeVersion="15" ma:contentTypeDescription="Create a new document." ma:contentTypeScope="" ma:versionID="104e359103f0f57b1cf9676756e5b944">
   <xsd:schema xmlns:xsd="http://www.w3.org/2001/XMLSchema" xmlns:xs="http://www.w3.org/2001/XMLSchema" xmlns:p="http://schemas.microsoft.com/office/2006/metadata/properties" xmlns:ns3="b30265f8-c5e2-4918-b4a1-b977299ca3e2" xmlns:ns4="fadb41d3-f9cb-40fb-903c-8cacaba95bb5" targetNamespace="http://schemas.microsoft.com/office/2006/metadata/properties" ma:root="true" ma:fieldsID="5615b8f8aa772998bad551f24a33de0e" ns3:_="" ns4:_="">
     <xsd:import namespace="b30265f8-c5e2-4918-b4a1-b977299ca3e2"/>
@@ -6374,15 +7318,6 @@
 </ct:contentTypeSchema>
 </file>
 
-<file path=customXml/item2.xml><?xml version="1.0" encoding="utf-8"?>
-<?mso-contentType ?>
-<FormTemplates xmlns="http://schemas.microsoft.com/sharepoint/v3/contenttype/forms">
-  <Display>DocumentLibraryForm</Display>
-  <Edit>DocumentLibraryForm</Edit>
-  <New>DocumentLibraryForm</New>
-</FormTemplates>
-</file>
-
 <file path=customXml/item3.xml><?xml version="1.0" encoding="utf-8"?>
 <p:properties xmlns:p="http://schemas.microsoft.com/office/2006/metadata/properties" xmlns:xsi="http://www.w3.org/2001/XMLSchema-instance" xmlns:pc="http://schemas.microsoft.com/office/infopath/2007/PartnerControls">
   <documentManagement>
@@ -6392,6 +7327,14 @@
 </file>
 
 <file path=customXml/itemProps1.xml><?xml version="1.0" encoding="utf-8"?>
+<ds:datastoreItem xmlns:ds="http://schemas.openxmlformats.org/officeDocument/2006/customXml" ds:itemID="{927BD4C1-B6B1-4715-ABF9-E660A51A4EA0}">
+  <ds:schemaRefs>
+    <ds:schemaRef ds:uri="http://schemas.microsoft.com/sharepoint/v3/contenttype/forms"/>
+  </ds:schemaRefs>
+</ds:datastoreItem>
+</file>
+
+<file path=customXml/itemProps2.xml><?xml version="1.0" encoding="utf-8"?>
 <ds:datastoreItem xmlns:ds="http://schemas.openxmlformats.org/officeDocument/2006/customXml" ds:itemID="{9DD71778-17EE-4151-88AE-C8F4E8043BD9}">
   <ds:schemaRefs>
     <ds:schemaRef ds:uri="http://schemas.microsoft.com/office/2006/metadata/contentType"/>
@@ -6406,14 +7349,6 @@
     <ds:schemaRef ds:uri="http://purl.org/dc/elements/1.1/"/>
     <ds:schemaRef ds:uri="http://purl.org/dc/terms/"/>
     <ds:schemaRef ds:uri="http://schemas.microsoft.com/internal/obd"/>
-  </ds:schemaRefs>
-</ds:datastoreItem>
-</file>
-
-<file path=customXml/itemProps2.xml><?xml version="1.0" encoding="utf-8"?>
-<ds:datastoreItem xmlns:ds="http://schemas.openxmlformats.org/officeDocument/2006/customXml" ds:itemID="{927BD4C1-B6B1-4715-ABF9-E660A51A4EA0}">
-  <ds:schemaRefs>
-    <ds:schemaRef ds:uri="http://schemas.microsoft.com/sharepoint/v3/contenttype/forms"/>
   </ds:schemaRefs>
 </ds:datastoreItem>
 </file>
